--- a/Mentoring Session Team 23 W2.pptx
+++ b/Mentoring Session Team 23 W2.pptx
@@ -2,13 +2,13 @@
 <file path=ppt/presentation.xml><?xml version="1.0" encoding="utf-8"?>
 <p:presentation xmlns:a="http://schemas.openxmlformats.org/drawingml/2006/main" xmlns:r="http://schemas.openxmlformats.org/officeDocument/2006/relationships" xmlns:p="http://schemas.openxmlformats.org/presentationml/2006/main" saveSubsetFonts="1">
   <p:sldMasterIdLst>
-    <p:sldMasterId id="2147483672" r:id="rId1"/>
+    <p:sldMasterId id="2147483696" r:id="rId1"/>
   </p:sldMasterIdLst>
   <p:sldIdLst>
     <p:sldId id="256" r:id="rId2"/>
     <p:sldId id="257" r:id="rId3"/>
   </p:sldIdLst>
-  <p:sldSz cx="18288000" cy="9144000"/>
+  <p:sldSz cx="27000200" cy="9144000"/>
   <p:notesSz cx="6858000" cy="9144000"/>
   <p:defaultTextStyle>
     <a:defPPr>
@@ -142,8 +142,8 @@
         </p:nvSpPr>
         <p:spPr>
           <a:xfrm>
-            <a:off x="2286000" y="1496484"/>
-            <a:ext cx="13716000" cy="3183467"/>
+            <a:off x="3375025" y="1496484"/>
+            <a:ext cx="20250150" cy="3183467"/>
           </a:xfrm>
         </p:spPr>
         <p:txBody>
@@ -155,7 +155,7 @@
           </a:lstStyle>
           <a:p>
             <a:r>
-              <a:rPr lang="en-US" smtClean="0"/>
+              <a:rPr lang="en-US"/>
               <a:t>Click to edit Master title style</a:t>
             </a:r>
             <a:endParaRPr lang="en-US" dirty="0"/>
@@ -174,8 +174,8 @@
         </p:nvSpPr>
         <p:spPr>
           <a:xfrm>
-            <a:off x="2286000" y="4802717"/>
-            <a:ext cx="13716000" cy="2207683"/>
+            <a:off x="3375025" y="4802717"/>
+            <a:ext cx="20250150" cy="2207683"/>
           </a:xfrm>
         </p:spPr>
         <p:txBody>
@@ -220,7 +220,7 @@
           </a:lstStyle>
           <a:p>
             <a:r>
-              <a:rPr lang="en-US" smtClean="0"/>
+              <a:rPr lang="en-US"/>
               <a:t>Click to edit Master subtitle style</a:t>
             </a:r>
             <a:endParaRPr lang="en-US" dirty="0"/>
@@ -244,7 +244,7 @@
           <a:p>
             <a:fld id="{74C08832-68F8-4290-A751-81EACF64CDAF}" type="datetimeFigureOut">
               <a:rPr lang="en-US" smtClean="0"/>
-              <a:t>2/28/2024</a:t>
+              <a:t>3/4/2024</a:t>
             </a:fld>
             <a:endParaRPr lang="en-US"/>
           </a:p>
@@ -295,7 +295,7 @@
     </p:spTree>
     <p:extLst>
       <p:ext uri="{BB962C8B-B14F-4D97-AF65-F5344CB8AC3E}">
-        <p14:creationId xmlns:p14="http://schemas.microsoft.com/office/powerpoint/2010/main" val="888770494"/>
+        <p14:creationId xmlns:p14="http://schemas.microsoft.com/office/powerpoint/2010/main" val="1891007087"/>
       </p:ext>
     </p:extLst>
   </p:cSld>
@@ -338,7 +338,7 @@
           <a:lstStyle/>
           <a:p>
             <a:r>
-              <a:rPr lang="en-US" smtClean="0"/>
+              <a:rPr lang="en-US"/>
               <a:t>Click to edit Master title style</a:t>
             </a:r>
             <a:endParaRPr lang="en-US" dirty="0"/>
@@ -362,35 +362,35 @@
           <a:p>
             <a:pPr lvl="0"/>
             <a:r>
-              <a:rPr lang="en-US" smtClean="0"/>
-              <a:t>Edit Master text styles</a:t>
+              <a:rPr lang="en-US"/>
+              <a:t>Click to edit Master text styles</a:t>
             </a:r>
           </a:p>
           <a:p>
             <a:pPr lvl="1"/>
             <a:r>
-              <a:rPr lang="en-US" smtClean="0"/>
+              <a:rPr lang="en-US"/>
               <a:t>Second level</a:t>
             </a:r>
           </a:p>
           <a:p>
             <a:pPr lvl="2"/>
             <a:r>
-              <a:rPr lang="en-US" smtClean="0"/>
+              <a:rPr lang="en-US"/>
               <a:t>Third level</a:t>
             </a:r>
           </a:p>
           <a:p>
             <a:pPr lvl="3"/>
             <a:r>
-              <a:rPr lang="en-US" smtClean="0"/>
+              <a:rPr lang="en-US"/>
               <a:t>Fourth level</a:t>
             </a:r>
           </a:p>
           <a:p>
             <a:pPr lvl="4"/>
             <a:r>
-              <a:rPr lang="en-US" smtClean="0"/>
+              <a:rPr lang="en-US"/>
               <a:t>Fifth level</a:t>
             </a:r>
             <a:endParaRPr lang="en-US" dirty="0"/>
@@ -414,7 +414,7 @@
           <a:p>
             <a:fld id="{74C08832-68F8-4290-A751-81EACF64CDAF}" type="datetimeFigureOut">
               <a:rPr lang="en-US" smtClean="0"/>
-              <a:t>2/28/2024</a:t>
+              <a:t>3/4/2024</a:t>
             </a:fld>
             <a:endParaRPr lang="en-US"/>
           </a:p>
@@ -465,7 +465,7 @@
     </p:spTree>
     <p:extLst>
       <p:ext uri="{BB962C8B-B14F-4D97-AF65-F5344CB8AC3E}">
-        <p14:creationId xmlns:p14="http://schemas.microsoft.com/office/powerpoint/2010/main" val="1614677584"/>
+        <p14:creationId xmlns:p14="http://schemas.microsoft.com/office/powerpoint/2010/main" val="3475726790"/>
       </p:ext>
     </p:extLst>
   </p:cSld>
@@ -504,8 +504,8 @@
         </p:nvSpPr>
         <p:spPr>
           <a:xfrm>
-            <a:off x="13087350" y="486834"/>
-            <a:ext cx="3943350" cy="7749117"/>
+            <a:off x="19322018" y="486834"/>
+            <a:ext cx="5821918" cy="7749117"/>
           </a:xfrm>
         </p:spPr>
         <p:txBody>
@@ -513,7 +513,7 @@
           <a:lstStyle/>
           <a:p>
             <a:r>
-              <a:rPr lang="en-US" smtClean="0"/>
+              <a:rPr lang="en-US"/>
               <a:t>Click to edit Master title style</a:t>
             </a:r>
             <a:endParaRPr lang="en-US" dirty="0"/>
@@ -532,8 +532,8 @@
         </p:nvSpPr>
         <p:spPr>
           <a:xfrm>
-            <a:off x="1257300" y="486834"/>
-            <a:ext cx="11601450" cy="7749117"/>
+            <a:off x="1856264" y="486834"/>
+            <a:ext cx="17128252" cy="7749117"/>
           </a:xfrm>
         </p:spPr>
         <p:txBody>
@@ -542,35 +542,35 @@
           <a:p>
             <a:pPr lvl="0"/>
             <a:r>
-              <a:rPr lang="en-US" smtClean="0"/>
-              <a:t>Edit Master text styles</a:t>
+              <a:rPr lang="en-US"/>
+              <a:t>Click to edit Master text styles</a:t>
             </a:r>
           </a:p>
           <a:p>
             <a:pPr lvl="1"/>
             <a:r>
-              <a:rPr lang="en-US" smtClean="0"/>
+              <a:rPr lang="en-US"/>
               <a:t>Second level</a:t>
             </a:r>
           </a:p>
           <a:p>
             <a:pPr lvl="2"/>
             <a:r>
-              <a:rPr lang="en-US" smtClean="0"/>
+              <a:rPr lang="en-US"/>
               <a:t>Third level</a:t>
             </a:r>
           </a:p>
           <a:p>
             <a:pPr lvl="3"/>
             <a:r>
-              <a:rPr lang="en-US" smtClean="0"/>
+              <a:rPr lang="en-US"/>
               <a:t>Fourth level</a:t>
             </a:r>
           </a:p>
           <a:p>
             <a:pPr lvl="4"/>
             <a:r>
-              <a:rPr lang="en-US" smtClean="0"/>
+              <a:rPr lang="en-US"/>
               <a:t>Fifth level</a:t>
             </a:r>
             <a:endParaRPr lang="en-US" dirty="0"/>
@@ -594,7 +594,7 @@
           <a:p>
             <a:fld id="{74C08832-68F8-4290-A751-81EACF64CDAF}" type="datetimeFigureOut">
               <a:rPr lang="en-US" smtClean="0"/>
-              <a:t>2/28/2024</a:t>
+              <a:t>3/4/2024</a:t>
             </a:fld>
             <a:endParaRPr lang="en-US"/>
           </a:p>
@@ -645,7 +645,7 @@
     </p:spTree>
     <p:extLst>
       <p:ext uri="{BB962C8B-B14F-4D97-AF65-F5344CB8AC3E}">
-        <p14:creationId xmlns:p14="http://schemas.microsoft.com/office/powerpoint/2010/main" val="2897034080"/>
+        <p14:creationId xmlns:p14="http://schemas.microsoft.com/office/powerpoint/2010/main" val="203573089"/>
       </p:ext>
     </p:extLst>
   </p:cSld>
@@ -688,7 +688,7 @@
           <a:lstStyle/>
           <a:p>
             <a:r>
-              <a:rPr lang="en-US" smtClean="0"/>
+              <a:rPr lang="en-US"/>
               <a:t>Click to edit Master title style</a:t>
             </a:r>
             <a:endParaRPr lang="en-US" dirty="0"/>
@@ -712,35 +712,35 @@
           <a:p>
             <a:pPr lvl="0"/>
             <a:r>
-              <a:rPr lang="en-US" smtClean="0"/>
-              <a:t>Edit Master text styles</a:t>
+              <a:rPr lang="en-US"/>
+              <a:t>Click to edit Master text styles</a:t>
             </a:r>
           </a:p>
           <a:p>
             <a:pPr lvl="1"/>
             <a:r>
-              <a:rPr lang="en-US" smtClean="0"/>
+              <a:rPr lang="en-US"/>
               <a:t>Second level</a:t>
             </a:r>
           </a:p>
           <a:p>
             <a:pPr lvl="2"/>
             <a:r>
-              <a:rPr lang="en-US" smtClean="0"/>
+              <a:rPr lang="en-US"/>
               <a:t>Third level</a:t>
             </a:r>
           </a:p>
           <a:p>
             <a:pPr lvl="3"/>
             <a:r>
-              <a:rPr lang="en-US" smtClean="0"/>
+              <a:rPr lang="en-US"/>
               <a:t>Fourth level</a:t>
             </a:r>
           </a:p>
           <a:p>
             <a:pPr lvl="4"/>
             <a:r>
-              <a:rPr lang="en-US" smtClean="0"/>
+              <a:rPr lang="en-US"/>
               <a:t>Fifth level</a:t>
             </a:r>
             <a:endParaRPr lang="en-US" dirty="0"/>
@@ -764,7 +764,7 @@
           <a:p>
             <a:fld id="{74C08832-68F8-4290-A751-81EACF64CDAF}" type="datetimeFigureOut">
               <a:rPr lang="en-US" smtClean="0"/>
-              <a:t>2/28/2024</a:t>
+              <a:t>3/4/2024</a:t>
             </a:fld>
             <a:endParaRPr lang="en-US"/>
           </a:p>
@@ -815,7 +815,7 @@
     </p:spTree>
     <p:extLst>
       <p:ext uri="{BB962C8B-B14F-4D97-AF65-F5344CB8AC3E}">
-        <p14:creationId xmlns:p14="http://schemas.microsoft.com/office/powerpoint/2010/main" val="1344811595"/>
+        <p14:creationId xmlns:p14="http://schemas.microsoft.com/office/powerpoint/2010/main" val="2712138420"/>
       </p:ext>
     </p:extLst>
   </p:cSld>
@@ -854,8 +854,8 @@
         </p:nvSpPr>
         <p:spPr>
           <a:xfrm>
-            <a:off x="1247775" y="2279652"/>
-            <a:ext cx="15773400" cy="3803649"/>
+            <a:off x="1842201" y="2279652"/>
+            <a:ext cx="23287673" cy="3803649"/>
           </a:xfrm>
         </p:spPr>
         <p:txBody>
@@ -867,7 +867,7 @@
           </a:lstStyle>
           <a:p>
             <a:r>
-              <a:rPr lang="en-US" smtClean="0"/>
+              <a:rPr lang="en-US"/>
               <a:t>Click to edit Master title style</a:t>
             </a:r>
             <a:endParaRPr lang="en-US" dirty="0"/>
@@ -886,8 +886,8 @@
         </p:nvSpPr>
         <p:spPr>
           <a:xfrm>
-            <a:off x="1247775" y="6119285"/>
-            <a:ext cx="15773400" cy="2000249"/>
+            <a:off x="1842201" y="6119285"/>
+            <a:ext cx="23287673" cy="2000249"/>
           </a:xfrm>
         </p:spPr>
         <p:txBody>
@@ -987,8 +987,8 @@
           <a:p>
             <a:pPr lvl="0"/>
             <a:r>
-              <a:rPr lang="en-US" smtClean="0"/>
-              <a:t>Edit Master text styles</a:t>
+              <a:rPr lang="en-US"/>
+              <a:t>Click to edit Master text styles</a:t>
             </a:r>
           </a:p>
         </p:txBody>
@@ -1010,7 +1010,7 @@
           <a:p>
             <a:fld id="{74C08832-68F8-4290-A751-81EACF64CDAF}" type="datetimeFigureOut">
               <a:rPr lang="en-US" smtClean="0"/>
-              <a:t>2/28/2024</a:t>
+              <a:t>3/4/2024</a:t>
             </a:fld>
             <a:endParaRPr lang="en-US"/>
           </a:p>
@@ -1061,7 +1061,7 @@
     </p:spTree>
     <p:extLst>
       <p:ext uri="{BB962C8B-B14F-4D97-AF65-F5344CB8AC3E}">
-        <p14:creationId xmlns:p14="http://schemas.microsoft.com/office/powerpoint/2010/main" val="1696104966"/>
+        <p14:creationId xmlns:p14="http://schemas.microsoft.com/office/powerpoint/2010/main" val="3591326517"/>
       </p:ext>
     </p:extLst>
   </p:cSld>
@@ -1104,7 +1104,7 @@
           <a:lstStyle/>
           <a:p>
             <a:r>
-              <a:rPr lang="en-US" smtClean="0"/>
+              <a:rPr lang="en-US"/>
               <a:t>Click to edit Master title style</a:t>
             </a:r>
             <a:endParaRPr lang="en-US" dirty="0"/>
@@ -1123,8 +1123,8 @@
         </p:nvSpPr>
         <p:spPr>
           <a:xfrm>
-            <a:off x="1257300" y="2434167"/>
-            <a:ext cx="7772400" cy="5801784"/>
+            <a:off x="1856264" y="2434167"/>
+            <a:ext cx="11475085" cy="5801784"/>
           </a:xfrm>
         </p:spPr>
         <p:txBody>
@@ -1133,35 +1133,35 @@
           <a:p>
             <a:pPr lvl="0"/>
             <a:r>
-              <a:rPr lang="en-US" smtClean="0"/>
-              <a:t>Edit Master text styles</a:t>
+              <a:rPr lang="en-US"/>
+              <a:t>Click to edit Master text styles</a:t>
             </a:r>
           </a:p>
           <a:p>
             <a:pPr lvl="1"/>
             <a:r>
-              <a:rPr lang="en-US" smtClean="0"/>
+              <a:rPr lang="en-US"/>
               <a:t>Second level</a:t>
             </a:r>
           </a:p>
           <a:p>
             <a:pPr lvl="2"/>
             <a:r>
-              <a:rPr lang="en-US" smtClean="0"/>
+              <a:rPr lang="en-US"/>
               <a:t>Third level</a:t>
             </a:r>
           </a:p>
           <a:p>
             <a:pPr lvl="3"/>
             <a:r>
-              <a:rPr lang="en-US" smtClean="0"/>
+              <a:rPr lang="en-US"/>
               <a:t>Fourth level</a:t>
             </a:r>
           </a:p>
           <a:p>
             <a:pPr lvl="4"/>
             <a:r>
-              <a:rPr lang="en-US" smtClean="0"/>
+              <a:rPr lang="en-US"/>
               <a:t>Fifth level</a:t>
             </a:r>
             <a:endParaRPr lang="en-US" dirty="0"/>
@@ -1180,8 +1180,8 @@
         </p:nvSpPr>
         <p:spPr>
           <a:xfrm>
-            <a:off x="9258300" y="2434167"/>
-            <a:ext cx="7772400" cy="5801784"/>
+            <a:off x="13668851" y="2434167"/>
+            <a:ext cx="11475085" cy="5801784"/>
           </a:xfrm>
         </p:spPr>
         <p:txBody>
@@ -1190,35 +1190,35 @@
           <a:p>
             <a:pPr lvl="0"/>
             <a:r>
-              <a:rPr lang="en-US" smtClean="0"/>
-              <a:t>Edit Master text styles</a:t>
+              <a:rPr lang="en-US"/>
+              <a:t>Click to edit Master text styles</a:t>
             </a:r>
           </a:p>
           <a:p>
             <a:pPr lvl="1"/>
             <a:r>
-              <a:rPr lang="en-US" smtClean="0"/>
+              <a:rPr lang="en-US"/>
               <a:t>Second level</a:t>
             </a:r>
           </a:p>
           <a:p>
             <a:pPr lvl="2"/>
             <a:r>
-              <a:rPr lang="en-US" smtClean="0"/>
+              <a:rPr lang="en-US"/>
               <a:t>Third level</a:t>
             </a:r>
           </a:p>
           <a:p>
             <a:pPr lvl="3"/>
             <a:r>
-              <a:rPr lang="en-US" smtClean="0"/>
+              <a:rPr lang="en-US"/>
               <a:t>Fourth level</a:t>
             </a:r>
           </a:p>
           <a:p>
             <a:pPr lvl="4"/>
             <a:r>
-              <a:rPr lang="en-US" smtClean="0"/>
+              <a:rPr lang="en-US"/>
               <a:t>Fifth level</a:t>
             </a:r>
             <a:endParaRPr lang="en-US" dirty="0"/>
@@ -1242,7 +1242,7 @@
           <a:p>
             <a:fld id="{74C08832-68F8-4290-A751-81EACF64CDAF}" type="datetimeFigureOut">
               <a:rPr lang="en-US" smtClean="0"/>
-              <a:t>2/28/2024</a:t>
+              <a:t>3/4/2024</a:t>
             </a:fld>
             <a:endParaRPr lang="en-US"/>
           </a:p>
@@ -1293,7 +1293,7 @@
     </p:spTree>
     <p:extLst>
       <p:ext uri="{BB962C8B-B14F-4D97-AF65-F5344CB8AC3E}">
-        <p14:creationId xmlns:p14="http://schemas.microsoft.com/office/powerpoint/2010/main" val="435810559"/>
+        <p14:creationId xmlns:p14="http://schemas.microsoft.com/office/powerpoint/2010/main" val="2406021908"/>
       </p:ext>
     </p:extLst>
   </p:cSld>
@@ -1332,8 +1332,8 @@
         </p:nvSpPr>
         <p:spPr>
           <a:xfrm>
-            <a:off x="1259682" y="486834"/>
-            <a:ext cx="15773400" cy="1767417"/>
+            <a:off x="1859780" y="486834"/>
+            <a:ext cx="23287673" cy="1767417"/>
           </a:xfrm>
         </p:spPr>
         <p:txBody>
@@ -1341,7 +1341,7 @@
           <a:lstStyle/>
           <a:p>
             <a:r>
-              <a:rPr lang="en-US" smtClean="0"/>
+              <a:rPr lang="en-US"/>
               <a:t>Click to edit Master title style</a:t>
             </a:r>
             <a:endParaRPr lang="en-US" dirty="0"/>
@@ -1360,8 +1360,8 @@
         </p:nvSpPr>
         <p:spPr>
           <a:xfrm>
-            <a:off x="1259683" y="2241551"/>
-            <a:ext cx="7736681" cy="1098549"/>
+            <a:off x="1859782" y="2241551"/>
+            <a:ext cx="11422349" cy="1098549"/>
           </a:xfrm>
         </p:spPr>
         <p:txBody>
@@ -1407,8 +1407,8 @@
           <a:p>
             <a:pPr lvl="0"/>
             <a:r>
-              <a:rPr lang="en-US" smtClean="0"/>
-              <a:t>Edit Master text styles</a:t>
+              <a:rPr lang="en-US"/>
+              <a:t>Click to edit Master text styles</a:t>
             </a:r>
           </a:p>
         </p:txBody>
@@ -1425,8 +1425,8 @@
         </p:nvSpPr>
         <p:spPr>
           <a:xfrm>
-            <a:off x="1259683" y="3340100"/>
-            <a:ext cx="7736681" cy="4912784"/>
+            <a:off x="1859782" y="3340100"/>
+            <a:ext cx="11422349" cy="4912784"/>
           </a:xfrm>
         </p:spPr>
         <p:txBody>
@@ -1435,35 +1435,35 @@
           <a:p>
             <a:pPr lvl="0"/>
             <a:r>
-              <a:rPr lang="en-US" smtClean="0"/>
-              <a:t>Edit Master text styles</a:t>
+              <a:rPr lang="en-US"/>
+              <a:t>Click to edit Master text styles</a:t>
             </a:r>
           </a:p>
           <a:p>
             <a:pPr lvl="1"/>
             <a:r>
-              <a:rPr lang="en-US" smtClean="0"/>
+              <a:rPr lang="en-US"/>
               <a:t>Second level</a:t>
             </a:r>
           </a:p>
           <a:p>
             <a:pPr lvl="2"/>
             <a:r>
-              <a:rPr lang="en-US" smtClean="0"/>
+              <a:rPr lang="en-US"/>
               <a:t>Third level</a:t>
             </a:r>
           </a:p>
           <a:p>
             <a:pPr lvl="3"/>
             <a:r>
-              <a:rPr lang="en-US" smtClean="0"/>
+              <a:rPr lang="en-US"/>
               <a:t>Fourth level</a:t>
             </a:r>
           </a:p>
           <a:p>
             <a:pPr lvl="4"/>
             <a:r>
-              <a:rPr lang="en-US" smtClean="0"/>
+              <a:rPr lang="en-US"/>
               <a:t>Fifth level</a:t>
             </a:r>
             <a:endParaRPr lang="en-US" dirty="0"/>
@@ -1482,8 +1482,8 @@
         </p:nvSpPr>
         <p:spPr>
           <a:xfrm>
-            <a:off x="9258300" y="2241551"/>
-            <a:ext cx="7774782" cy="1098549"/>
+            <a:off x="13668851" y="2241551"/>
+            <a:ext cx="11478602" cy="1098549"/>
           </a:xfrm>
         </p:spPr>
         <p:txBody>
@@ -1529,8 +1529,8 @@
           <a:p>
             <a:pPr lvl="0"/>
             <a:r>
-              <a:rPr lang="en-US" smtClean="0"/>
-              <a:t>Edit Master text styles</a:t>
+              <a:rPr lang="en-US"/>
+              <a:t>Click to edit Master text styles</a:t>
             </a:r>
           </a:p>
         </p:txBody>
@@ -1547,8 +1547,8 @@
         </p:nvSpPr>
         <p:spPr>
           <a:xfrm>
-            <a:off x="9258300" y="3340100"/>
-            <a:ext cx="7774782" cy="4912784"/>
+            <a:off x="13668851" y="3340100"/>
+            <a:ext cx="11478602" cy="4912784"/>
           </a:xfrm>
         </p:spPr>
         <p:txBody>
@@ -1557,35 +1557,35 @@
           <a:p>
             <a:pPr lvl="0"/>
             <a:r>
-              <a:rPr lang="en-US" smtClean="0"/>
-              <a:t>Edit Master text styles</a:t>
+              <a:rPr lang="en-US"/>
+              <a:t>Click to edit Master text styles</a:t>
             </a:r>
           </a:p>
           <a:p>
             <a:pPr lvl="1"/>
             <a:r>
-              <a:rPr lang="en-US" smtClean="0"/>
+              <a:rPr lang="en-US"/>
               <a:t>Second level</a:t>
             </a:r>
           </a:p>
           <a:p>
             <a:pPr lvl="2"/>
             <a:r>
-              <a:rPr lang="en-US" smtClean="0"/>
+              <a:rPr lang="en-US"/>
               <a:t>Third level</a:t>
             </a:r>
           </a:p>
           <a:p>
             <a:pPr lvl="3"/>
             <a:r>
-              <a:rPr lang="en-US" smtClean="0"/>
+              <a:rPr lang="en-US"/>
               <a:t>Fourth level</a:t>
             </a:r>
           </a:p>
           <a:p>
             <a:pPr lvl="4"/>
             <a:r>
-              <a:rPr lang="en-US" smtClean="0"/>
+              <a:rPr lang="en-US"/>
               <a:t>Fifth level</a:t>
             </a:r>
             <a:endParaRPr lang="en-US" dirty="0"/>
@@ -1609,7 +1609,7 @@
           <a:p>
             <a:fld id="{74C08832-68F8-4290-A751-81EACF64CDAF}" type="datetimeFigureOut">
               <a:rPr lang="en-US" smtClean="0"/>
-              <a:t>2/28/2024</a:t>
+              <a:t>3/4/2024</a:t>
             </a:fld>
             <a:endParaRPr lang="en-US"/>
           </a:p>
@@ -1660,7 +1660,7 @@
     </p:spTree>
     <p:extLst>
       <p:ext uri="{BB962C8B-B14F-4D97-AF65-F5344CB8AC3E}">
-        <p14:creationId xmlns:p14="http://schemas.microsoft.com/office/powerpoint/2010/main" val="3417727126"/>
+        <p14:creationId xmlns:p14="http://schemas.microsoft.com/office/powerpoint/2010/main" val="1819865782"/>
       </p:ext>
     </p:extLst>
   </p:cSld>
@@ -1703,7 +1703,7 @@
           <a:lstStyle/>
           <a:p>
             <a:r>
-              <a:rPr lang="en-US" smtClean="0"/>
+              <a:rPr lang="en-US"/>
               <a:t>Click to edit Master title style</a:t>
             </a:r>
             <a:endParaRPr lang="en-US" dirty="0"/>
@@ -1727,7 +1727,7 @@
           <a:p>
             <a:fld id="{74C08832-68F8-4290-A751-81EACF64CDAF}" type="datetimeFigureOut">
               <a:rPr lang="en-US" smtClean="0"/>
-              <a:t>2/28/2024</a:t>
+              <a:t>3/4/2024</a:t>
             </a:fld>
             <a:endParaRPr lang="en-US"/>
           </a:p>
@@ -1778,7 +1778,7 @@
     </p:spTree>
     <p:extLst>
       <p:ext uri="{BB962C8B-B14F-4D97-AF65-F5344CB8AC3E}">
-        <p14:creationId xmlns:p14="http://schemas.microsoft.com/office/powerpoint/2010/main" val="1671329323"/>
+        <p14:creationId xmlns:p14="http://schemas.microsoft.com/office/powerpoint/2010/main" val="2507042190"/>
       </p:ext>
     </p:extLst>
   </p:cSld>
@@ -1822,7 +1822,7 @@
           <a:p>
             <a:fld id="{74C08832-68F8-4290-A751-81EACF64CDAF}" type="datetimeFigureOut">
               <a:rPr lang="en-US" smtClean="0"/>
-              <a:t>2/28/2024</a:t>
+              <a:t>3/4/2024</a:t>
             </a:fld>
             <a:endParaRPr lang="en-US"/>
           </a:p>
@@ -1873,7 +1873,7 @@
     </p:spTree>
     <p:extLst>
       <p:ext uri="{BB962C8B-B14F-4D97-AF65-F5344CB8AC3E}">
-        <p14:creationId xmlns:p14="http://schemas.microsoft.com/office/powerpoint/2010/main" val="2091998316"/>
+        <p14:creationId xmlns:p14="http://schemas.microsoft.com/office/powerpoint/2010/main" val="45583388"/>
       </p:ext>
     </p:extLst>
   </p:cSld>
@@ -1912,8 +1912,8 @@
         </p:nvSpPr>
         <p:spPr>
           <a:xfrm>
-            <a:off x="1259683" y="609600"/>
-            <a:ext cx="5898356" cy="2133600"/>
+            <a:off x="1859781" y="609600"/>
+            <a:ext cx="8708267" cy="2133600"/>
           </a:xfrm>
         </p:spPr>
         <p:txBody>
@@ -1925,7 +1925,7 @@
           </a:lstStyle>
           <a:p>
             <a:r>
-              <a:rPr lang="en-US" smtClean="0"/>
+              <a:rPr lang="en-US"/>
               <a:t>Click to edit Master title style</a:t>
             </a:r>
             <a:endParaRPr lang="en-US" dirty="0"/>
@@ -1944,8 +1944,8 @@
         </p:nvSpPr>
         <p:spPr>
           <a:xfrm>
-            <a:off x="7774782" y="1316567"/>
-            <a:ext cx="9258300" cy="6498167"/>
+            <a:off x="11478602" y="1316567"/>
+            <a:ext cx="13668851" cy="6498167"/>
           </a:xfrm>
         </p:spPr>
         <p:txBody>
@@ -1982,35 +1982,35 @@
           <a:p>
             <a:pPr lvl="0"/>
             <a:r>
-              <a:rPr lang="en-US" smtClean="0"/>
-              <a:t>Edit Master text styles</a:t>
+              <a:rPr lang="en-US"/>
+              <a:t>Click to edit Master text styles</a:t>
             </a:r>
           </a:p>
           <a:p>
             <a:pPr lvl="1"/>
             <a:r>
-              <a:rPr lang="en-US" smtClean="0"/>
+              <a:rPr lang="en-US"/>
               <a:t>Second level</a:t>
             </a:r>
           </a:p>
           <a:p>
             <a:pPr lvl="2"/>
             <a:r>
-              <a:rPr lang="en-US" smtClean="0"/>
+              <a:rPr lang="en-US"/>
               <a:t>Third level</a:t>
             </a:r>
           </a:p>
           <a:p>
             <a:pPr lvl="3"/>
             <a:r>
-              <a:rPr lang="en-US" smtClean="0"/>
+              <a:rPr lang="en-US"/>
               <a:t>Fourth level</a:t>
             </a:r>
           </a:p>
           <a:p>
             <a:pPr lvl="4"/>
             <a:r>
-              <a:rPr lang="en-US" smtClean="0"/>
+              <a:rPr lang="en-US"/>
               <a:t>Fifth level</a:t>
             </a:r>
             <a:endParaRPr lang="en-US" dirty="0"/>
@@ -2029,8 +2029,8 @@
         </p:nvSpPr>
         <p:spPr>
           <a:xfrm>
-            <a:off x="1259683" y="2743200"/>
-            <a:ext cx="5898356" cy="5082117"/>
+            <a:off x="1859781" y="2743200"/>
+            <a:ext cx="8708267" cy="5082117"/>
           </a:xfrm>
         </p:spPr>
         <p:txBody>
@@ -2076,8 +2076,8 @@
           <a:p>
             <a:pPr lvl="0"/>
             <a:r>
-              <a:rPr lang="en-US" smtClean="0"/>
-              <a:t>Edit Master text styles</a:t>
+              <a:rPr lang="en-US"/>
+              <a:t>Click to edit Master text styles</a:t>
             </a:r>
           </a:p>
         </p:txBody>
@@ -2099,7 +2099,7 @@
           <a:p>
             <a:fld id="{74C08832-68F8-4290-A751-81EACF64CDAF}" type="datetimeFigureOut">
               <a:rPr lang="en-US" smtClean="0"/>
-              <a:t>2/28/2024</a:t>
+              <a:t>3/4/2024</a:t>
             </a:fld>
             <a:endParaRPr lang="en-US"/>
           </a:p>
@@ -2150,7 +2150,7 @@
     </p:spTree>
     <p:extLst>
       <p:ext uri="{BB962C8B-B14F-4D97-AF65-F5344CB8AC3E}">
-        <p14:creationId xmlns:p14="http://schemas.microsoft.com/office/powerpoint/2010/main" val="4065217909"/>
+        <p14:creationId xmlns:p14="http://schemas.microsoft.com/office/powerpoint/2010/main" val="3110088387"/>
       </p:ext>
     </p:extLst>
   </p:cSld>
@@ -2189,8 +2189,8 @@
         </p:nvSpPr>
         <p:spPr>
           <a:xfrm>
-            <a:off x="1259683" y="609600"/>
-            <a:ext cx="5898356" cy="2133600"/>
+            <a:off x="1859781" y="609600"/>
+            <a:ext cx="8708267" cy="2133600"/>
           </a:xfrm>
         </p:spPr>
         <p:txBody>
@@ -2202,7 +2202,7 @@
           </a:lstStyle>
           <a:p>
             <a:r>
-              <a:rPr lang="en-US" smtClean="0"/>
+              <a:rPr lang="en-US"/>
               <a:t>Click to edit Master title style</a:t>
             </a:r>
             <a:endParaRPr lang="en-US" dirty="0"/>
@@ -2221,8 +2221,8 @@
         </p:nvSpPr>
         <p:spPr>
           <a:xfrm>
-            <a:off x="7774782" y="1316567"/>
-            <a:ext cx="9258300" cy="6498167"/>
+            <a:off x="11478602" y="1316567"/>
+            <a:ext cx="13668851" cy="6498167"/>
           </a:xfrm>
         </p:spPr>
         <p:txBody>
@@ -2267,7 +2267,7 @@
           </a:lstStyle>
           <a:p>
             <a:r>
-              <a:rPr lang="en-US" smtClean="0"/>
+              <a:rPr lang="en-US"/>
               <a:t>Click icon to add picture</a:t>
             </a:r>
             <a:endParaRPr lang="en-US" dirty="0"/>
@@ -2286,8 +2286,8 @@
         </p:nvSpPr>
         <p:spPr>
           <a:xfrm>
-            <a:off x="1259683" y="2743200"/>
-            <a:ext cx="5898356" cy="5082117"/>
+            <a:off x="1859781" y="2743200"/>
+            <a:ext cx="8708267" cy="5082117"/>
           </a:xfrm>
         </p:spPr>
         <p:txBody>
@@ -2333,8 +2333,8 @@
           <a:p>
             <a:pPr lvl="0"/>
             <a:r>
-              <a:rPr lang="en-US" smtClean="0"/>
-              <a:t>Edit Master text styles</a:t>
+              <a:rPr lang="en-US"/>
+              <a:t>Click to edit Master text styles</a:t>
             </a:r>
           </a:p>
         </p:txBody>
@@ -2356,7 +2356,7 @@
           <a:p>
             <a:fld id="{74C08832-68F8-4290-A751-81EACF64CDAF}" type="datetimeFigureOut">
               <a:rPr lang="en-US" smtClean="0"/>
-              <a:t>2/28/2024</a:t>
+              <a:t>3/4/2024</a:t>
             </a:fld>
             <a:endParaRPr lang="en-US"/>
           </a:p>
@@ -2407,7 +2407,7 @@
     </p:spTree>
     <p:extLst>
       <p:ext uri="{BB962C8B-B14F-4D97-AF65-F5344CB8AC3E}">
-        <p14:creationId xmlns:p14="http://schemas.microsoft.com/office/powerpoint/2010/main" val="4101119459"/>
+        <p14:creationId xmlns:p14="http://schemas.microsoft.com/office/powerpoint/2010/main" val="2538077052"/>
       </p:ext>
     </p:extLst>
   </p:cSld>
@@ -2451,8 +2451,8 @@
         </p:nvSpPr>
         <p:spPr>
           <a:xfrm>
-            <a:off x="1257300" y="486834"/>
-            <a:ext cx="15773400" cy="1767417"/>
+            <a:off x="1856264" y="486834"/>
+            <a:ext cx="23287673" cy="1767417"/>
           </a:xfrm>
           <a:prstGeom prst="rect">
             <a:avLst/>
@@ -2465,7 +2465,7 @@
           <a:lstStyle/>
           <a:p>
             <a:r>
-              <a:rPr lang="en-US" smtClean="0"/>
+              <a:rPr lang="en-US"/>
               <a:t>Click to edit Master title style</a:t>
             </a:r>
             <a:endParaRPr lang="en-US" dirty="0"/>
@@ -2484,8 +2484,8 @@
         </p:nvSpPr>
         <p:spPr>
           <a:xfrm>
-            <a:off x="1257300" y="2434167"/>
-            <a:ext cx="15773400" cy="5801784"/>
+            <a:off x="1856264" y="2434167"/>
+            <a:ext cx="23287673" cy="5801784"/>
           </a:xfrm>
           <a:prstGeom prst="rect">
             <a:avLst/>
@@ -2499,35 +2499,35 @@
           <a:p>
             <a:pPr lvl="0"/>
             <a:r>
-              <a:rPr lang="en-US" smtClean="0"/>
-              <a:t>Edit Master text styles</a:t>
+              <a:rPr lang="en-US"/>
+              <a:t>Click to edit Master text styles</a:t>
             </a:r>
           </a:p>
           <a:p>
             <a:pPr lvl="1"/>
             <a:r>
-              <a:rPr lang="en-US" smtClean="0"/>
+              <a:rPr lang="en-US"/>
               <a:t>Second level</a:t>
             </a:r>
           </a:p>
           <a:p>
             <a:pPr lvl="2"/>
             <a:r>
-              <a:rPr lang="en-US" smtClean="0"/>
+              <a:rPr lang="en-US"/>
               <a:t>Third level</a:t>
             </a:r>
           </a:p>
           <a:p>
             <a:pPr lvl="3"/>
             <a:r>
-              <a:rPr lang="en-US" smtClean="0"/>
+              <a:rPr lang="en-US"/>
               <a:t>Fourth level</a:t>
             </a:r>
           </a:p>
           <a:p>
             <a:pPr lvl="4"/>
             <a:r>
-              <a:rPr lang="en-US" smtClean="0"/>
+              <a:rPr lang="en-US"/>
               <a:t>Fifth level</a:t>
             </a:r>
             <a:endParaRPr lang="en-US" dirty="0"/>
@@ -2546,8 +2546,8 @@
         </p:nvSpPr>
         <p:spPr>
           <a:xfrm>
-            <a:off x="1257300" y="8475134"/>
-            <a:ext cx="4114800" cy="486833"/>
+            <a:off x="1856264" y="8475134"/>
+            <a:ext cx="6075045" cy="486833"/>
           </a:xfrm>
           <a:prstGeom prst="rect">
             <a:avLst/>
@@ -2569,7 +2569,7 @@
           <a:p>
             <a:fld id="{74C08832-68F8-4290-A751-81EACF64CDAF}" type="datetimeFigureOut">
               <a:rPr lang="en-US" smtClean="0"/>
-              <a:t>2/28/2024</a:t>
+              <a:t>3/4/2024</a:t>
             </a:fld>
             <a:endParaRPr lang="en-US"/>
           </a:p>
@@ -2587,8 +2587,8 @@
         </p:nvSpPr>
         <p:spPr>
           <a:xfrm>
-            <a:off x="6057900" y="8475134"/>
-            <a:ext cx="6172200" cy="486833"/>
+            <a:off x="8943816" y="8475134"/>
+            <a:ext cx="9112568" cy="486833"/>
           </a:xfrm>
           <a:prstGeom prst="rect">
             <a:avLst/>
@@ -2624,8 +2624,8 @@
         </p:nvSpPr>
         <p:spPr>
           <a:xfrm>
-            <a:off x="12915900" y="8475134"/>
-            <a:ext cx="4114800" cy="486833"/>
+            <a:off x="19068891" y="8475134"/>
+            <a:ext cx="6075045" cy="486833"/>
           </a:xfrm>
           <a:prstGeom prst="rect">
             <a:avLst/>
@@ -2656,23 +2656,23 @@
     </p:spTree>
     <p:extLst>
       <p:ext uri="{BB962C8B-B14F-4D97-AF65-F5344CB8AC3E}">
-        <p14:creationId xmlns:p14="http://schemas.microsoft.com/office/powerpoint/2010/main" val="2959365547"/>
+        <p14:creationId xmlns:p14="http://schemas.microsoft.com/office/powerpoint/2010/main" val="3622468634"/>
       </p:ext>
     </p:extLst>
   </p:cSld>
   <p:clrMap bg1="lt1" tx1="dk1" bg2="lt2" tx2="dk2" accent1="accent1" accent2="accent2" accent3="accent3" accent4="accent4" accent5="accent5" accent6="accent6" hlink="hlink" folHlink="folHlink"/>
   <p:sldLayoutIdLst>
-    <p:sldLayoutId id="2147483673" r:id="rId1"/>
-    <p:sldLayoutId id="2147483674" r:id="rId2"/>
-    <p:sldLayoutId id="2147483675" r:id="rId3"/>
-    <p:sldLayoutId id="2147483676" r:id="rId4"/>
-    <p:sldLayoutId id="2147483677" r:id="rId5"/>
-    <p:sldLayoutId id="2147483678" r:id="rId6"/>
-    <p:sldLayoutId id="2147483679" r:id="rId7"/>
-    <p:sldLayoutId id="2147483680" r:id="rId8"/>
-    <p:sldLayoutId id="2147483681" r:id="rId9"/>
-    <p:sldLayoutId id="2147483682" r:id="rId10"/>
-    <p:sldLayoutId id="2147483683" r:id="rId11"/>
+    <p:sldLayoutId id="2147483697" r:id="rId1"/>
+    <p:sldLayoutId id="2147483698" r:id="rId2"/>
+    <p:sldLayoutId id="2147483699" r:id="rId3"/>
+    <p:sldLayoutId id="2147483700" r:id="rId4"/>
+    <p:sldLayoutId id="2147483701" r:id="rId5"/>
+    <p:sldLayoutId id="2147483702" r:id="rId6"/>
+    <p:sldLayoutId id="2147483703" r:id="rId7"/>
+    <p:sldLayoutId id="2147483704" r:id="rId8"/>
+    <p:sldLayoutId id="2147483705" r:id="rId9"/>
+    <p:sldLayoutId id="2147483706" r:id="rId10"/>
+    <p:sldLayoutId id="2147483707" r:id="rId11"/>
   </p:sldLayoutIdLst>
   <p:txStyles>
     <p:titleStyle>
@@ -2982,7 +2982,7 @@
         </p:nvSpPr>
         <p:spPr>
           <a:xfrm>
-            <a:off x="4055643" y="325736"/>
+            <a:off x="8411742" y="325732"/>
             <a:ext cx="2922723" cy="400110"/>
           </a:xfrm>
           <a:prstGeom prst="rect">
@@ -3011,7 +3011,7 @@
         </p:nvSpPr>
         <p:spPr>
           <a:xfrm>
-            <a:off x="4055643" y="1940656"/>
+            <a:off x="8411742" y="1940651"/>
             <a:ext cx="3389711" cy="400110"/>
           </a:xfrm>
           <a:prstGeom prst="rect">
@@ -3040,7 +3040,7 @@
         </p:nvSpPr>
         <p:spPr>
           <a:xfrm>
-            <a:off x="4055650" y="3047238"/>
+            <a:off x="8411739" y="3047238"/>
             <a:ext cx="2306978" cy="400110"/>
           </a:xfrm>
           <a:prstGeom prst="rect">
@@ -3069,7 +3069,7 @@
         </p:nvSpPr>
         <p:spPr>
           <a:xfrm>
-            <a:off x="4246143" y="812497"/>
+            <a:off x="8602242" y="812497"/>
             <a:ext cx="5092933" cy="1015663"/>
           </a:xfrm>
           <a:prstGeom prst="rect">
@@ -3083,7 +3083,7 @@
           </a:bodyPr>
           <a:lstStyle/>
           <a:p>
-            <a:pPr marL="285732" indent="-285732">
+            <a:pPr marL="285739" indent="-285739">
               <a:buFontTx/>
               <a:buChar char="-"/>
             </a:pPr>
@@ -3105,7 +3105,7 @@
             </a:r>
           </a:p>
           <a:p>
-            <a:pPr marL="285732" indent="-285732">
+            <a:pPr marL="285739" indent="-285739">
               <a:buFontTx/>
               <a:buChar char="-"/>
             </a:pPr>
@@ -3127,7 +3127,7 @@
             </a:r>
           </a:p>
           <a:p>
-            <a:pPr marL="285732" indent="-285732">
+            <a:pPr marL="285739" indent="-285739">
               <a:buFontTx/>
               <a:buChar char="-"/>
             </a:pPr>
@@ -3150,8 +3150,8 @@
         </p:nvSpPr>
         <p:spPr>
           <a:xfrm>
-            <a:off x="9324983" y="812496"/>
-            <a:ext cx="4572006" cy="1015663"/>
+            <a:off x="13681078" y="812497"/>
+            <a:ext cx="4572001" cy="1015663"/>
           </a:xfrm>
           <a:prstGeom prst="rect">
             <a:avLst/>
@@ -3164,7 +3164,7 @@
           </a:bodyPr>
           <a:lstStyle/>
           <a:p>
-            <a:pPr marL="285732" indent="-285732">
+            <a:pPr marL="285739" indent="-285739">
               <a:buFontTx/>
               <a:buChar char="-"/>
             </a:pPr>
@@ -3178,7 +3178,7 @@
             </a:r>
           </a:p>
           <a:p>
-            <a:pPr marL="285732" indent="-285732">
+            <a:pPr marL="285739" indent="-285739">
               <a:buFontTx/>
               <a:buChar char="-"/>
             </a:pPr>
@@ -3193,7 +3193,7 @@
             <a:endParaRPr lang="en-US" sz="2000" dirty="0"/>
           </a:p>
           <a:p>
-            <a:pPr marL="285732" indent="-285732">
+            <a:pPr marL="285739" indent="-285739">
               <a:buFontTx/>
               <a:buChar char="-"/>
             </a:pPr>
@@ -3212,7 +3212,7 @@
         </p:nvSpPr>
         <p:spPr>
           <a:xfrm>
-            <a:off x="4246145" y="2443790"/>
+            <a:off x="8602242" y="2443783"/>
             <a:ext cx="9452203" cy="400110"/>
           </a:xfrm>
           <a:prstGeom prst="rect">
@@ -3293,8 +3293,8 @@
         </p:nvSpPr>
         <p:spPr>
           <a:xfrm>
-            <a:off x="2829223" y="4832539"/>
-            <a:ext cx="2630406" cy="1631216"/>
+            <a:off x="7185318" y="4832532"/>
+            <a:ext cx="2630405" cy="1631216"/>
           </a:xfrm>
           <a:prstGeom prst="rect">
             <a:avLst/>
@@ -3374,8 +3374,8 @@
         </p:nvSpPr>
         <p:spPr>
           <a:xfrm>
-            <a:off x="6563733" y="4243613"/>
-            <a:ext cx="2761246" cy="757386"/>
+            <a:off x="10919829" y="4243605"/>
+            <a:ext cx="2761246" cy="757385"/>
           </a:xfrm>
           <a:prstGeom prst="rect">
             <a:avLst/>
@@ -3420,8 +3420,8 @@
         </p:nvSpPr>
         <p:spPr>
           <a:xfrm>
-            <a:off x="6563728" y="6688992"/>
-            <a:ext cx="2761252" cy="1153640"/>
+            <a:off x="10919831" y="6688992"/>
+            <a:ext cx="2761247" cy="1153639"/>
           </a:xfrm>
           <a:prstGeom prst="rect">
             <a:avLst/>
@@ -3466,8 +3466,8 @@
         </p:nvSpPr>
         <p:spPr>
           <a:xfrm>
-            <a:off x="10087976" y="4790865"/>
-            <a:ext cx="5009152" cy="757386"/>
+            <a:off x="14444078" y="4790859"/>
+            <a:ext cx="5009148" cy="757385"/>
           </a:xfrm>
           <a:prstGeom prst="rect">
             <a:avLst/>
@@ -3512,8 +3512,8 @@
         </p:nvSpPr>
         <p:spPr>
           <a:xfrm>
-            <a:off x="10087976" y="3460213"/>
-            <a:ext cx="5009152" cy="757386"/>
+            <a:off x="14444078" y="3460205"/>
+            <a:ext cx="5009148" cy="757385"/>
           </a:xfrm>
           <a:prstGeom prst="rect">
             <a:avLst/>
@@ -3558,8 +3558,8 @@
         </p:nvSpPr>
         <p:spPr>
           <a:xfrm>
-            <a:off x="10087982" y="5754599"/>
-            <a:ext cx="5009152" cy="757386"/>
+            <a:off x="14444082" y="5754593"/>
+            <a:ext cx="5009147" cy="757385"/>
           </a:xfrm>
           <a:prstGeom prst="rect">
             <a:avLst/>
@@ -3604,8 +3604,8 @@
         </p:nvCxnSpPr>
         <p:spPr>
           <a:xfrm flipV="1">
-            <a:off x="5800728" y="4890206"/>
-            <a:ext cx="571500" cy="385172"/>
+            <a:off x="10156826" y="4890205"/>
+            <a:ext cx="571500" cy="385167"/>
           </a:xfrm>
           <a:prstGeom prst="straightConnector1">
             <a:avLst/>
@@ -3637,7 +3637,7 @@
         </p:nvCxnSpPr>
         <p:spPr>
           <a:xfrm>
-            <a:off x="5689516" y="6480668"/>
+            <a:off x="10045614" y="6480665"/>
             <a:ext cx="682712" cy="554260"/>
           </a:xfrm>
           <a:prstGeom prst="straightConnector1">
@@ -3670,8 +3670,8 @@
         </p:nvCxnSpPr>
         <p:spPr>
           <a:xfrm flipV="1">
-            <a:off x="9459836" y="4128180"/>
-            <a:ext cx="571500" cy="385172"/>
+            <a:off x="13815931" y="4128181"/>
+            <a:ext cx="571500" cy="385167"/>
           </a:xfrm>
           <a:prstGeom prst="straightConnector1">
             <a:avLst/>
@@ -3703,8 +3703,8 @@
         </p:nvCxnSpPr>
         <p:spPr>
           <a:xfrm>
-            <a:off x="9459836" y="4628772"/>
-            <a:ext cx="571500" cy="646600"/>
+            <a:off x="13815931" y="4628773"/>
+            <a:ext cx="571500" cy="646599"/>
           </a:xfrm>
           <a:prstGeom prst="straightConnector1">
             <a:avLst/>
@@ -3736,7 +3736,7 @@
         </p:nvCxnSpPr>
         <p:spPr>
           <a:xfrm flipV="1">
-            <a:off x="9438779" y="7381006"/>
+            <a:off x="13794873" y="7381002"/>
             <a:ext cx="613114" cy="0"/>
           </a:xfrm>
           <a:prstGeom prst="straightConnector1">
@@ -3769,8 +3769,8 @@
         </p:nvCxnSpPr>
         <p:spPr>
           <a:xfrm flipV="1">
-            <a:off x="9453090" y="6212443"/>
-            <a:ext cx="492272" cy="1168566"/>
+            <a:off x="13809184" y="6212439"/>
+            <a:ext cx="492272" cy="1168565"/>
           </a:xfrm>
           <a:prstGeom prst="straightConnector1">
             <a:avLst/>
@@ -3802,8 +3802,8 @@
         </p:nvSpPr>
         <p:spPr>
           <a:xfrm>
-            <a:off x="6677528" y="4244213"/>
-            <a:ext cx="2761252" cy="707886"/>
+            <a:off x="11033629" y="4244208"/>
+            <a:ext cx="2761247" cy="707886"/>
           </a:xfrm>
           <a:prstGeom prst="rect">
             <a:avLst/>
@@ -3831,8 +3831,8 @@
         </p:nvSpPr>
         <p:spPr>
           <a:xfrm>
-            <a:off x="10234711" y="5948387"/>
-            <a:ext cx="4405226" cy="400110"/>
+            <a:off x="14590808" y="5948381"/>
+            <a:ext cx="4405221" cy="400110"/>
           </a:xfrm>
           <a:prstGeom prst="rect">
             <a:avLst/>
@@ -3860,7 +3860,7 @@
         </p:nvSpPr>
         <p:spPr>
           <a:xfrm>
-            <a:off x="6744775" y="6739128"/>
+            <a:off x="11100868" y="6739124"/>
             <a:ext cx="2306154" cy="1015663"/>
           </a:xfrm>
           <a:prstGeom prst="rect">
@@ -3889,8 +3889,8 @@
         </p:nvCxnSpPr>
         <p:spPr>
           <a:xfrm>
-            <a:off x="9428973" y="7381013"/>
-            <a:ext cx="602366" cy="1163866"/>
+            <a:off x="13785069" y="7381005"/>
+            <a:ext cx="602365" cy="1163865"/>
           </a:xfrm>
           <a:prstGeom prst="straightConnector1">
             <a:avLst/>
@@ -3922,7 +3922,7 @@
         </p:nvGrpSpPr>
         <p:grpSpPr>
           <a:xfrm>
-            <a:off x="10128599" y="6894029"/>
+            <a:off x="14484692" y="6894026"/>
             <a:ext cx="4968534" cy="1962669"/>
             <a:chOff x="6782803" y="6775288"/>
             <a:chExt cx="2463960" cy="1914156"/>
@@ -3982,8 +3982,8 @@
           </p:nvSpPr>
           <p:spPr>
             <a:xfrm>
-              <a:off x="6855348" y="6981619"/>
-              <a:ext cx="2003800" cy="390220"/>
+              <a:off x="6855348" y="6981622"/>
+              <a:ext cx="2003799" cy="390220"/>
             </a:xfrm>
             <a:prstGeom prst="rect">
               <a:avLst/>
@@ -4071,8 +4071,8 @@
             </p:nvSpPr>
             <p:spPr>
               <a:xfrm>
-                <a:off x="6759401" y="8139223"/>
-                <a:ext cx="2003800" cy="390220"/>
+                <a:off x="6759401" y="8139225"/>
+                <a:ext cx="2003799" cy="390220"/>
               </a:xfrm>
               <a:prstGeom prst="rect">
                 <a:avLst/>
@@ -4111,7 +4111,7 @@
         </p:nvSpPr>
         <p:spPr>
           <a:xfrm>
-            <a:off x="10174299" y="3494055"/>
+            <a:off x="14530392" y="3494054"/>
             <a:ext cx="4884734" cy="707886"/>
           </a:xfrm>
           <a:prstGeom prst="rect">
@@ -4140,8 +4140,8 @@
         </p:nvSpPr>
         <p:spPr>
           <a:xfrm>
-            <a:off x="10269049" y="4832534"/>
-            <a:ext cx="4580434" cy="707886"/>
+            <a:off x="14625138" y="4832532"/>
+            <a:ext cx="4580438" cy="707886"/>
           </a:xfrm>
           <a:prstGeom prst="rect">
             <a:avLst/>
@@ -4169,8 +4169,8 @@
         </p:nvSpPr>
         <p:spPr>
           <a:xfrm>
-            <a:off x="2601916" y="4739765"/>
-            <a:ext cx="3085020" cy="1870094"/>
+            <a:off x="6958012" y="4739760"/>
+            <a:ext cx="3085019" cy="1870097"/>
           </a:xfrm>
           <a:prstGeom prst="rect">
             <a:avLst/>
@@ -4217,13 +4217,6 @@
   <p:clrMapOvr>
     <a:masterClrMapping/>
   </p:clrMapOvr>
-  <p:timing>
-    <p:tnLst>
-      <p:par>
-        <p:cTn id="1" dur="indefinite" restart="never" nodeType="tmRoot"/>
-      </p:par>
-    </p:tnLst>
-  </p:timing>
 </p:sld>
 </file>
 
@@ -4232,7 +4225,13 @@
   <p:cSld>
     <p:spTree>
       <p:nvGrpSpPr>
-        <p:cNvPr id="1" name=""/>
+        <p:cNvPr id="1" name="">
+          <a:extLst>
+            <a:ext uri="{FF2B5EF4-FFF2-40B4-BE49-F238E27FC236}">
+              <a16:creationId xmlns:a16="http://schemas.microsoft.com/office/drawing/2014/main" id="{3A4B737E-7F2F-7812-7858-4D8578707BEB}"/>
+            </a:ext>
+          </a:extLst>
+        </p:cNvPr>
         <p:cNvGrpSpPr/>
         <p:nvPr/>
       </p:nvGrpSpPr>
@@ -4246,114 +4245,38 @@
       </p:grpSpPr>
       <p:grpSp>
         <p:nvGrpSpPr>
-          <p:cNvPr id="29" name="Group 28"/>
+          <p:cNvPr id="5" name="Group 4"/>
           <p:cNvGrpSpPr/>
           <p:nvPr/>
         </p:nvGrpSpPr>
         <p:grpSpPr>
           <a:xfrm>
-            <a:off x="466165" y="1013254"/>
-            <a:ext cx="8587789" cy="7662691"/>
-            <a:chOff x="536470" y="1870785"/>
-            <a:chExt cx="12305912" cy="5396490"/>
+            <a:off x="-6956707" y="-60960"/>
+            <a:ext cx="37263180" cy="9509760"/>
+            <a:chOff x="-6956707" y="30480"/>
+            <a:chExt cx="37263180" cy="9132264"/>
           </a:xfrm>
         </p:grpSpPr>
         <p:sp>
           <p:nvSpPr>
-            <p:cNvPr id="4" name="TextBox 3"/>
-            <p:cNvSpPr txBox="1"/>
-            <p:nvPr/>
-          </p:nvSpPr>
-          <p:spPr>
-            <a:xfrm>
-              <a:off x="715241" y="3153110"/>
-              <a:ext cx="2812543" cy="1365545"/>
-            </a:xfrm>
-            <a:prstGeom prst="rect">
-              <a:avLst/>
-            </a:prstGeom>
-            <a:noFill/>
-          </p:spPr>
-          <p:txBody>
-            <a:bodyPr wrap="square" rtlCol="0">
-              <a:spAutoFit/>
-            </a:bodyPr>
-            <a:lstStyle/>
-            <a:p>
-              <a:r>
-                <a:rPr lang="en-US" sz="2000" dirty="0" err="1"/>
-                <a:t>Bagaimana</a:t>
-              </a:r>
-              <a:r>
-                <a:rPr lang="en-US" sz="2000" dirty="0"/>
-                <a:t> </a:t>
-              </a:r>
-              <a:r>
-                <a:rPr lang="en-US" sz="2000" dirty="0" err="1"/>
-                <a:t>caranya</a:t>
-              </a:r>
-              <a:r>
-                <a:rPr lang="en-US" sz="2000" dirty="0"/>
-                <a:t> </a:t>
-              </a:r>
-              <a:r>
-                <a:rPr lang="en-US" sz="2000" dirty="0" err="1"/>
-                <a:t>meningkatkan</a:t>
-              </a:r>
-              <a:r>
-                <a:rPr lang="en-US" sz="2000" dirty="0"/>
-                <a:t> revenue product, 5% </a:t>
-              </a:r>
-              <a:r>
-                <a:rPr lang="en-US" sz="2000" dirty="0" err="1"/>
-                <a:t>dalam</a:t>
-              </a:r>
-              <a:r>
-                <a:rPr lang="en-US" sz="2000" dirty="0"/>
-                <a:t> </a:t>
-              </a:r>
-              <a:r>
-                <a:rPr lang="en-US" sz="2000" dirty="0" err="1"/>
-                <a:t>waktu</a:t>
-              </a:r>
-              <a:r>
-                <a:rPr lang="en-US" sz="2000" dirty="0"/>
-                <a:t> 1 </a:t>
-              </a:r>
-              <a:r>
-                <a:rPr lang="en-US" sz="2000" dirty="0" err="1"/>
-                <a:t>Quartal</a:t>
-              </a:r>
-              <a:r>
-                <a:rPr lang="en-US" sz="2000" dirty="0"/>
-                <a:t> </a:t>
-              </a:r>
-              <a:r>
-                <a:rPr lang="en-US" sz="2000" dirty="0" err="1"/>
-                <a:t>kedepan</a:t>
-              </a:r>
-              <a:r>
-                <a:rPr lang="en-US" sz="2000" dirty="0"/>
-                <a:t>. </a:t>
-              </a:r>
-            </a:p>
-          </p:txBody>
-        </p:sp>
-        <p:sp>
-          <p:nvSpPr>
-            <p:cNvPr id="5" name="Rectangle 4"/>
+            <p:cNvPr id="4" name="Rectangle 3"/>
             <p:cNvSpPr/>
             <p:nvPr/>
           </p:nvSpPr>
           <p:spPr>
             <a:xfrm>
-              <a:off x="4308984" y="2654185"/>
-              <a:ext cx="2761246" cy="757385"/>
+              <a:off x="-6956707" y="30480"/>
+              <a:ext cx="37263180" cy="9132264"/>
             </a:xfrm>
             <a:prstGeom prst="rect">
               <a:avLst/>
             </a:prstGeom>
-            <a:noFill/>
+            <a:solidFill>
+              <a:schemeClr val="bg1"/>
+            </a:solidFill>
+            <a:ln>
+              <a:noFill/>
+            </a:ln>
           </p:spPr>
           <p:style>
             <a:lnRef idx="2">
@@ -4372,591 +4295,44 @@
             </a:fontRef>
           </p:style>
           <p:txBody>
-            <a:bodyPr rot="0" spcFirstLastPara="0" vertOverflow="overflow" horzOverflow="overflow" vert="horz" wrap="square" lIns="91440" tIns="45720" rIns="91440" bIns="45720" numCol="1" spcCol="0" rtlCol="0" fromWordArt="0" anchor="ctr" anchorCtr="0" forceAA="0" compatLnSpc="1">
-              <a:prstTxWarp prst="textNoShape">
-                <a:avLst/>
-              </a:prstTxWarp>
-              <a:noAutofit/>
-            </a:bodyPr>
+            <a:bodyPr rtlCol="0" anchor="ctr"/>
             <a:lstStyle/>
             <a:p>
               <a:pPr algn="ctr"/>
-              <a:endParaRPr lang="en-US" sz="2000"/>
+              <a:endParaRPr lang="en-US"/>
             </a:p>
           </p:txBody>
         </p:sp>
-        <p:sp>
-          <p:nvSpPr>
-            <p:cNvPr id="6" name="Rectangle 5"/>
-            <p:cNvSpPr/>
-            <p:nvPr/>
-          </p:nvSpPr>
-          <p:spPr>
-            <a:xfrm>
-              <a:off x="4308983" y="5099572"/>
-              <a:ext cx="2761247" cy="1153639"/>
-            </a:xfrm>
-            <a:prstGeom prst="rect">
-              <a:avLst/>
-            </a:prstGeom>
-            <a:noFill/>
-          </p:spPr>
-          <p:style>
-            <a:lnRef idx="2">
-              <a:schemeClr val="accent1">
-                <a:shade val="50000"/>
-              </a:schemeClr>
-            </a:lnRef>
-            <a:fillRef idx="1">
-              <a:schemeClr val="accent1"/>
-            </a:fillRef>
-            <a:effectRef idx="0">
-              <a:schemeClr val="accent1"/>
-            </a:effectRef>
-            <a:fontRef idx="minor">
-              <a:schemeClr val="lt1"/>
-            </a:fontRef>
-          </p:style>
-          <p:txBody>
-            <a:bodyPr rot="0" spcFirstLastPara="0" vertOverflow="overflow" horzOverflow="overflow" vert="horz" wrap="square" lIns="91440" tIns="45720" rIns="91440" bIns="45720" numCol="1" spcCol="0" rtlCol="0" fromWordArt="0" anchor="ctr" anchorCtr="0" forceAA="0" compatLnSpc="1">
-              <a:prstTxWarp prst="textNoShape">
-                <a:avLst/>
-              </a:prstTxWarp>
-              <a:noAutofit/>
-            </a:bodyPr>
-            <a:lstStyle/>
-            <a:p>
-              <a:pPr algn="ctr"/>
-              <a:endParaRPr lang="en-US" sz="2000"/>
-            </a:p>
-          </p:txBody>
-        </p:sp>
-        <p:sp>
-          <p:nvSpPr>
-            <p:cNvPr id="7" name="Rectangle 6"/>
-            <p:cNvSpPr/>
-            <p:nvPr/>
-          </p:nvSpPr>
-          <p:spPr>
-            <a:xfrm>
-              <a:off x="7833233" y="3201439"/>
-              <a:ext cx="5009148" cy="757385"/>
-            </a:xfrm>
-            <a:prstGeom prst="rect">
-              <a:avLst/>
-            </a:prstGeom>
-            <a:noFill/>
-          </p:spPr>
-          <p:style>
-            <a:lnRef idx="2">
-              <a:schemeClr val="accent1">
-                <a:shade val="50000"/>
-              </a:schemeClr>
-            </a:lnRef>
-            <a:fillRef idx="1">
-              <a:schemeClr val="accent1"/>
-            </a:fillRef>
-            <a:effectRef idx="0">
-              <a:schemeClr val="accent1"/>
-            </a:effectRef>
-            <a:fontRef idx="minor">
-              <a:schemeClr val="lt1"/>
-            </a:fontRef>
-          </p:style>
-          <p:txBody>
-            <a:bodyPr rot="0" spcFirstLastPara="0" vertOverflow="overflow" horzOverflow="overflow" vert="horz" wrap="square" lIns="91440" tIns="45720" rIns="91440" bIns="45720" numCol="1" spcCol="0" rtlCol="0" fromWordArt="0" anchor="ctr" anchorCtr="0" forceAA="0" compatLnSpc="1">
-              <a:prstTxWarp prst="textNoShape">
-                <a:avLst/>
-              </a:prstTxWarp>
-              <a:noAutofit/>
-            </a:bodyPr>
-            <a:lstStyle/>
-            <a:p>
-              <a:pPr algn="ctr"/>
-              <a:endParaRPr lang="en-US" sz="2000"/>
-            </a:p>
-          </p:txBody>
-        </p:sp>
-        <p:sp>
-          <p:nvSpPr>
-            <p:cNvPr id="8" name="Rectangle 7"/>
-            <p:cNvSpPr/>
-            <p:nvPr/>
-          </p:nvSpPr>
-          <p:spPr>
-            <a:xfrm>
-              <a:off x="7833233" y="1870785"/>
-              <a:ext cx="5009148" cy="757385"/>
-            </a:xfrm>
-            <a:prstGeom prst="rect">
-              <a:avLst/>
-            </a:prstGeom>
-            <a:noFill/>
-          </p:spPr>
-          <p:style>
-            <a:lnRef idx="2">
-              <a:schemeClr val="accent1">
-                <a:shade val="50000"/>
-              </a:schemeClr>
-            </a:lnRef>
-            <a:fillRef idx="1">
-              <a:schemeClr val="accent1"/>
-            </a:fillRef>
-            <a:effectRef idx="0">
-              <a:schemeClr val="accent1"/>
-            </a:effectRef>
-            <a:fontRef idx="minor">
-              <a:schemeClr val="lt1"/>
-            </a:fontRef>
-          </p:style>
-          <p:txBody>
-            <a:bodyPr rot="0" spcFirstLastPara="0" vertOverflow="overflow" horzOverflow="overflow" vert="horz" wrap="square" lIns="91440" tIns="45720" rIns="91440" bIns="45720" numCol="1" spcCol="0" rtlCol="0" fromWordArt="0" anchor="ctr" anchorCtr="0" forceAA="0" compatLnSpc="1">
-              <a:prstTxWarp prst="textNoShape">
-                <a:avLst/>
-              </a:prstTxWarp>
-              <a:noAutofit/>
-            </a:bodyPr>
-            <a:lstStyle/>
-            <a:p>
-              <a:pPr algn="ctr"/>
-              <a:endParaRPr lang="en-US" sz="2000"/>
-            </a:p>
-          </p:txBody>
-        </p:sp>
-        <p:sp>
-          <p:nvSpPr>
-            <p:cNvPr id="9" name="Rectangle 8"/>
-            <p:cNvSpPr/>
-            <p:nvPr/>
-          </p:nvSpPr>
-          <p:spPr>
-            <a:xfrm>
-              <a:off x="7833235" y="4165173"/>
-              <a:ext cx="5009147" cy="757385"/>
-            </a:xfrm>
-            <a:prstGeom prst="rect">
-              <a:avLst/>
-            </a:prstGeom>
-            <a:noFill/>
-          </p:spPr>
-          <p:style>
-            <a:lnRef idx="2">
-              <a:schemeClr val="accent1">
-                <a:shade val="50000"/>
-              </a:schemeClr>
-            </a:lnRef>
-            <a:fillRef idx="1">
-              <a:schemeClr val="accent1"/>
-            </a:fillRef>
-            <a:effectRef idx="0">
-              <a:schemeClr val="accent1"/>
-            </a:effectRef>
-            <a:fontRef idx="minor">
-              <a:schemeClr val="lt1"/>
-            </a:fontRef>
-          </p:style>
-          <p:txBody>
-            <a:bodyPr rot="0" spcFirstLastPara="0" vertOverflow="overflow" horzOverflow="overflow" vert="horz" wrap="square" lIns="91440" tIns="45720" rIns="91440" bIns="45720" numCol="1" spcCol="0" rtlCol="0" fromWordArt="0" anchor="ctr" anchorCtr="0" forceAA="0" compatLnSpc="1">
-              <a:prstTxWarp prst="textNoShape">
-                <a:avLst/>
-              </a:prstTxWarp>
-              <a:noAutofit/>
-            </a:bodyPr>
-            <a:lstStyle/>
-            <a:p>
-              <a:pPr algn="ctr"/>
-              <a:endParaRPr lang="en-US" sz="2000"/>
-            </a:p>
-          </p:txBody>
-        </p:sp>
-        <p:cxnSp>
-          <p:nvCxnSpPr>
-            <p:cNvPr id="10" name="Straight Arrow Connector 9"/>
-            <p:cNvCxnSpPr/>
-            <p:nvPr/>
-          </p:nvCxnSpPr>
-          <p:spPr>
-            <a:xfrm flipV="1">
-              <a:off x="3735287" y="3178480"/>
-              <a:ext cx="571500" cy="385167"/>
-            </a:xfrm>
-            <a:prstGeom prst="straightConnector1">
-              <a:avLst/>
-            </a:prstGeom>
-            <a:ln>
-              <a:tailEnd type="triangle"/>
-            </a:ln>
-          </p:spPr>
-          <p:style>
-            <a:lnRef idx="1">
-              <a:schemeClr val="accent1"/>
-            </a:lnRef>
-            <a:fillRef idx="0">
-              <a:schemeClr val="accent1"/>
-            </a:fillRef>
-            <a:effectRef idx="0">
-              <a:schemeClr val="accent1"/>
-            </a:effectRef>
-            <a:fontRef idx="minor">
-              <a:schemeClr val="tx1"/>
-            </a:fontRef>
-          </p:style>
-        </p:cxnSp>
-        <p:cxnSp>
-          <p:nvCxnSpPr>
-            <p:cNvPr id="11" name="Straight Arrow Connector 10"/>
-            <p:cNvCxnSpPr/>
-            <p:nvPr/>
-          </p:nvCxnSpPr>
-          <p:spPr>
-            <a:xfrm>
-              <a:off x="3624075" y="4768942"/>
-              <a:ext cx="682712" cy="554260"/>
-            </a:xfrm>
-            <a:prstGeom prst="straightConnector1">
-              <a:avLst/>
-            </a:prstGeom>
-            <a:ln>
-              <a:tailEnd type="triangle"/>
-            </a:ln>
-          </p:spPr>
-          <p:style>
-            <a:lnRef idx="1">
-              <a:schemeClr val="accent1"/>
-            </a:lnRef>
-            <a:fillRef idx="0">
-              <a:schemeClr val="accent1"/>
-            </a:fillRef>
-            <a:effectRef idx="0">
-              <a:schemeClr val="accent1"/>
-            </a:effectRef>
-            <a:fontRef idx="minor">
-              <a:schemeClr val="tx1"/>
-            </a:fontRef>
-          </p:style>
-        </p:cxnSp>
-        <p:cxnSp>
-          <p:nvCxnSpPr>
-            <p:cNvPr id="12" name="Straight Arrow Connector 11"/>
-            <p:cNvCxnSpPr/>
-            <p:nvPr/>
-          </p:nvCxnSpPr>
-          <p:spPr>
-            <a:xfrm flipV="1">
-              <a:off x="7205086" y="2538761"/>
-              <a:ext cx="571500" cy="385167"/>
-            </a:xfrm>
-            <a:prstGeom prst="straightConnector1">
-              <a:avLst/>
-            </a:prstGeom>
-            <a:ln>
-              <a:tailEnd type="triangle"/>
-            </a:ln>
-          </p:spPr>
-          <p:style>
-            <a:lnRef idx="1">
-              <a:schemeClr val="accent1"/>
-            </a:lnRef>
-            <a:fillRef idx="0">
-              <a:schemeClr val="accent1"/>
-            </a:fillRef>
-            <a:effectRef idx="0">
-              <a:schemeClr val="accent1"/>
-            </a:effectRef>
-            <a:fontRef idx="minor">
-              <a:schemeClr val="tx1"/>
-            </a:fontRef>
-          </p:style>
-        </p:cxnSp>
-        <p:cxnSp>
-          <p:nvCxnSpPr>
-            <p:cNvPr id="13" name="Straight Arrow Connector 12"/>
-            <p:cNvCxnSpPr/>
-            <p:nvPr/>
-          </p:nvCxnSpPr>
-          <p:spPr>
-            <a:xfrm>
-              <a:off x="7205086" y="3039353"/>
-              <a:ext cx="571500" cy="646599"/>
-            </a:xfrm>
-            <a:prstGeom prst="straightConnector1">
-              <a:avLst/>
-            </a:prstGeom>
-            <a:ln>
-              <a:tailEnd type="triangle"/>
-            </a:ln>
-          </p:spPr>
-          <p:style>
-            <a:lnRef idx="1">
-              <a:schemeClr val="accent1"/>
-            </a:lnRef>
-            <a:fillRef idx="0">
-              <a:schemeClr val="accent1"/>
-            </a:fillRef>
-            <a:effectRef idx="0">
-              <a:schemeClr val="accent1"/>
-            </a:effectRef>
-            <a:fontRef idx="minor">
-              <a:schemeClr val="tx1"/>
-            </a:fontRef>
-          </p:style>
-        </p:cxnSp>
-        <p:cxnSp>
-          <p:nvCxnSpPr>
-            <p:cNvPr id="14" name="Straight Arrow Connector 13"/>
-            <p:cNvCxnSpPr/>
-            <p:nvPr/>
-          </p:nvCxnSpPr>
-          <p:spPr>
-            <a:xfrm flipV="1">
-              <a:off x="7184028" y="5791584"/>
-              <a:ext cx="613114" cy="0"/>
-            </a:xfrm>
-            <a:prstGeom prst="straightConnector1">
-              <a:avLst/>
-            </a:prstGeom>
-            <a:ln>
-              <a:tailEnd type="triangle"/>
-            </a:ln>
-          </p:spPr>
-          <p:style>
-            <a:lnRef idx="1">
-              <a:schemeClr val="accent1"/>
-            </a:lnRef>
-            <a:fillRef idx="0">
-              <a:schemeClr val="accent1"/>
-            </a:fillRef>
-            <a:effectRef idx="0">
-              <a:schemeClr val="accent1"/>
-            </a:effectRef>
-            <a:fontRef idx="minor">
-              <a:schemeClr val="tx1"/>
-            </a:fontRef>
-          </p:style>
-        </p:cxnSp>
-        <p:cxnSp>
-          <p:nvCxnSpPr>
-            <p:cNvPr id="15" name="Straight Arrow Connector 14"/>
-            <p:cNvCxnSpPr/>
-            <p:nvPr/>
-          </p:nvCxnSpPr>
-          <p:spPr>
-            <a:xfrm flipV="1">
-              <a:off x="7198339" y="4623019"/>
-              <a:ext cx="492272" cy="1168565"/>
-            </a:xfrm>
-            <a:prstGeom prst="straightConnector1">
-              <a:avLst/>
-            </a:prstGeom>
-            <a:ln>
-              <a:tailEnd type="triangle"/>
-            </a:ln>
-          </p:spPr>
-          <p:style>
-            <a:lnRef idx="1">
-              <a:schemeClr val="accent1"/>
-            </a:lnRef>
-            <a:fillRef idx="0">
-              <a:schemeClr val="accent1"/>
-            </a:fillRef>
-            <a:effectRef idx="0">
-              <a:schemeClr val="accent1"/>
-            </a:effectRef>
-            <a:fontRef idx="minor">
-              <a:schemeClr val="tx1"/>
-            </a:fontRef>
-          </p:style>
-        </p:cxnSp>
-        <p:sp>
-          <p:nvSpPr>
-            <p:cNvPr id="16" name="TextBox 15"/>
-            <p:cNvSpPr txBox="1"/>
-            <p:nvPr/>
-          </p:nvSpPr>
-          <p:spPr>
-            <a:xfrm>
-              <a:off x="4422781" y="2654790"/>
-              <a:ext cx="2761247" cy="707886"/>
-            </a:xfrm>
-            <a:prstGeom prst="rect">
-              <a:avLst/>
-            </a:prstGeom>
-            <a:noFill/>
-          </p:spPr>
-          <p:txBody>
-            <a:bodyPr wrap="square" rtlCol="0">
-              <a:spAutoFit/>
-            </a:bodyPr>
-            <a:lstStyle/>
-            <a:p>
-              <a:r>
-                <a:rPr lang="en-US" sz="2000" dirty="0"/>
-                <a:t>Capitalize best selling product</a:t>
-              </a:r>
-            </a:p>
-          </p:txBody>
-        </p:sp>
-        <p:sp>
-          <p:nvSpPr>
-            <p:cNvPr id="17" name="TextBox 16"/>
-            <p:cNvSpPr txBox="1"/>
-            <p:nvPr/>
-          </p:nvSpPr>
-          <p:spPr>
-            <a:xfrm>
-              <a:off x="8014292" y="4318600"/>
-              <a:ext cx="4405221" cy="498532"/>
-            </a:xfrm>
-            <a:prstGeom prst="rect">
-              <a:avLst/>
-            </a:prstGeom>
-            <a:noFill/>
-          </p:spPr>
-          <p:txBody>
-            <a:bodyPr wrap="square" rtlCol="0">
-              <a:spAutoFit/>
-            </a:bodyPr>
-            <a:lstStyle/>
-            <a:p>
-              <a:r>
-                <a:rPr lang="en-US" sz="2000" dirty="0"/>
-                <a:t>Determine best time and worst time</a:t>
-              </a:r>
-            </a:p>
-          </p:txBody>
-        </p:sp>
-        <p:sp>
-          <p:nvSpPr>
-            <p:cNvPr id="18" name="TextBox 17"/>
-            <p:cNvSpPr txBox="1"/>
-            <p:nvPr/>
-          </p:nvSpPr>
-          <p:spPr>
-            <a:xfrm>
-              <a:off x="4490023" y="5149704"/>
-              <a:ext cx="2306154" cy="1015663"/>
-            </a:xfrm>
-            <a:prstGeom prst="rect">
-              <a:avLst/>
-            </a:prstGeom>
-            <a:noFill/>
-          </p:spPr>
-          <p:txBody>
-            <a:bodyPr wrap="square" rtlCol="0">
-              <a:spAutoFit/>
-            </a:bodyPr>
-            <a:lstStyle/>
-            <a:p>
-              <a:r>
-                <a:rPr lang="en-US" sz="2000" dirty="0"/>
-                <a:t>Improve Operational Efficiency</a:t>
-              </a:r>
-            </a:p>
-          </p:txBody>
-        </p:sp>
-        <p:cxnSp>
-          <p:nvCxnSpPr>
-            <p:cNvPr id="19" name="Straight Arrow Connector 18"/>
-            <p:cNvCxnSpPr/>
-            <p:nvPr/>
-          </p:nvCxnSpPr>
-          <p:spPr>
-            <a:xfrm>
-              <a:off x="7174222" y="5791585"/>
-              <a:ext cx="602365" cy="1163865"/>
-            </a:xfrm>
-            <a:prstGeom prst="straightConnector1">
-              <a:avLst/>
-            </a:prstGeom>
-            <a:ln>
-              <a:tailEnd type="triangle"/>
-            </a:ln>
-          </p:spPr>
-          <p:style>
-            <a:lnRef idx="1">
-              <a:schemeClr val="accent1"/>
-            </a:lnRef>
-            <a:fillRef idx="0">
-              <a:schemeClr val="accent1"/>
-            </a:fillRef>
-            <a:effectRef idx="0">
-              <a:schemeClr val="accent1"/>
-            </a:effectRef>
-            <a:fontRef idx="minor">
-              <a:schemeClr val="tx1"/>
-            </a:fontRef>
-          </p:style>
-        </p:cxnSp>
         <p:grpSp>
           <p:nvGrpSpPr>
-            <p:cNvPr id="20" name="Group 19"/>
+            <p:cNvPr id="3" name="Group 2"/>
             <p:cNvGrpSpPr/>
             <p:nvPr/>
           </p:nvGrpSpPr>
           <p:grpSpPr>
             <a:xfrm>
-              <a:off x="7873847" y="5304606"/>
-              <a:ext cx="4968534" cy="1962669"/>
-              <a:chOff x="6782803" y="6775288"/>
-              <a:chExt cx="2463960" cy="1914156"/>
+              <a:off x="-6804307" y="346964"/>
+              <a:ext cx="37110780" cy="8426601"/>
+              <a:chOff x="632813" y="316484"/>
+              <a:chExt cx="37110780" cy="8426601"/>
             </a:xfrm>
           </p:grpSpPr>
           <p:sp>
             <p:nvSpPr>
-              <p:cNvPr id="21" name="Rectangle 20"/>
-              <p:cNvSpPr/>
-              <p:nvPr/>
-            </p:nvSpPr>
-            <p:spPr>
-              <a:xfrm>
-                <a:off x="6782803" y="6775288"/>
-                <a:ext cx="2463960" cy="738664"/>
-              </a:xfrm>
-              <a:prstGeom prst="rect">
-                <a:avLst/>
-              </a:prstGeom>
-              <a:noFill/>
-            </p:spPr>
-            <p:style>
-              <a:lnRef idx="2">
-                <a:schemeClr val="accent1">
-                  <a:shade val="50000"/>
-                </a:schemeClr>
-              </a:lnRef>
-              <a:fillRef idx="1">
-                <a:schemeClr val="accent1"/>
-              </a:fillRef>
-              <a:effectRef idx="0">
-                <a:schemeClr val="accent1"/>
-              </a:effectRef>
-              <a:fontRef idx="minor">
-                <a:schemeClr val="lt1"/>
-              </a:fontRef>
-            </p:style>
-            <p:txBody>
-              <a:bodyPr rot="0" spcFirstLastPara="0" vertOverflow="overflow" horzOverflow="overflow" vert="horz" wrap="square" lIns="91440" tIns="45720" rIns="91440" bIns="45720" numCol="1" spcCol="0" rtlCol="0" fromWordArt="0" anchor="ctr" anchorCtr="0" forceAA="0" compatLnSpc="1">
-                <a:prstTxWarp prst="textNoShape">
-                  <a:avLst/>
-                </a:prstTxWarp>
-                <a:noAutofit/>
-              </a:bodyPr>
-              <a:lstStyle/>
-              <a:p>
-                <a:pPr algn="ctr"/>
-                <a:endParaRPr lang="en-US" sz="2000"/>
-              </a:p>
-            </p:txBody>
-          </p:sp>
-          <p:sp>
-            <p:nvSpPr>
-              <p:cNvPr id="22" name="TextBox 21"/>
+              <p:cNvPr id="28" name="TextBox 27">
+                <a:extLst>
+                  <a:ext uri="{FF2B5EF4-FFF2-40B4-BE49-F238E27FC236}">
+                    <a16:creationId xmlns:a16="http://schemas.microsoft.com/office/drawing/2014/main" id="{4D5CA83B-F526-6F49-7939-8C4445E42073}"/>
+                  </a:ext>
+                </a:extLst>
+              </p:cNvPr>
               <p:cNvSpPr txBox="1"/>
               <p:nvPr/>
             </p:nvSpPr>
             <p:spPr>
               <a:xfrm>
-                <a:off x="6855348" y="6981619"/>
-                <a:ext cx="2003800" cy="390220"/>
+                <a:off x="34515254" y="4871870"/>
+                <a:ext cx="3228339" cy="1200329"/>
               </a:xfrm>
               <a:prstGeom prst="rect">
                 <a:avLst/>
@@ -4970,605 +4346,864 @@
               <a:lstStyle/>
               <a:p>
                 <a:r>
+                  <a:rPr lang="en-US" dirty="0" err="1"/>
+                  <a:t>Paket</a:t>
+                </a:r>
+                <a:r>
+                  <a:rPr lang="en-US" dirty="0"/>
+                  <a:t> </a:t>
+                </a:r>
+                <a:r>
+                  <a:rPr lang="en-US" dirty="0" err="1"/>
+                  <a:t>Hemat</a:t>
+                </a:r>
+                <a:r>
+                  <a:rPr lang="en-US" dirty="0"/>
+                  <a:t>: </a:t>
+                </a:r>
+                <a:r>
+                  <a:rPr lang="en-US" dirty="0" err="1"/>
+                  <a:t>Ukuran</a:t>
+                </a:r>
+                <a:r>
+                  <a:rPr lang="en-US" dirty="0"/>
+                  <a:t> M dan L</a:t>
+                </a:r>
+              </a:p>
+              <a:p>
+                <a:endParaRPr lang="en-US" dirty="0"/>
+              </a:p>
+              <a:p>
+                <a:r>
+                  <a:rPr lang="en-US" smtClean="0"/>
+                  <a:t>Metrics</a:t>
+                </a:r>
+                <a:r>
+                  <a:rPr lang="en-US" dirty="0"/>
+                  <a:t>: </a:t>
+                </a:r>
+                <a:r>
+                  <a:rPr lang="en-US" sz="1800" dirty="0"/>
+                  <a:t>Avg. Revenue from </a:t>
+                </a:r>
+                <a:r>
+                  <a:rPr lang="en-US" sz="1800" dirty="0" err="1"/>
+                  <a:t>Paket</a:t>
+                </a:r>
+                <a:r>
+                  <a:rPr lang="en-US" sz="1800" dirty="0"/>
+                  <a:t> </a:t>
+                </a:r>
+                <a:r>
+                  <a:rPr lang="en-US" sz="1800" dirty="0" err="1"/>
+                  <a:t>Hemat</a:t>
+                </a:r>
+                <a:r>
+                  <a:rPr lang="en-US" sz="1800" dirty="0"/>
+                  <a:t> / Month = 7%</a:t>
+                </a:r>
+                <a:endParaRPr lang="en-ID" dirty="0"/>
+              </a:p>
+            </p:txBody>
+          </p:sp>
+          <p:sp>
+            <p:nvSpPr>
+              <p:cNvPr id="7" name="TextBox 6">
+                <a:extLst>
+                  <a:ext uri="{FF2B5EF4-FFF2-40B4-BE49-F238E27FC236}">
+                    <a16:creationId xmlns:a16="http://schemas.microsoft.com/office/drawing/2014/main" id="{AA31DBB6-5DF5-6979-EA35-DCED05E0A2F3}"/>
+                  </a:ext>
+                </a:extLst>
+              </p:cNvPr>
+              <p:cNvSpPr txBox="1"/>
+              <p:nvPr/>
+            </p:nvSpPr>
+            <p:spPr>
+              <a:xfrm>
+                <a:off x="23178216" y="1319571"/>
+                <a:ext cx="976806" cy="400110"/>
+              </a:xfrm>
+              <a:prstGeom prst="rect">
+                <a:avLst/>
+              </a:prstGeom>
+              <a:noFill/>
+            </p:spPr>
+            <p:txBody>
+              <a:bodyPr wrap="none" rtlCol="0">
+                <a:spAutoFit/>
+              </a:bodyPr>
+              <a:lstStyle/>
+              <a:p>
+                <a:r>
                   <a:rPr lang="en-US" sz="2000" dirty="0"/>
-                  <a:t>Best targeted customer</a:t>
-                </a:r>
+                  <a:t>Metrics</a:t>
+                </a:r>
+              </a:p>
+            </p:txBody>
+          </p:sp>
+          <p:sp>
+            <p:nvSpPr>
+              <p:cNvPr id="8" name="TextBox 7">
+                <a:extLst>
+                  <a:ext uri="{FF2B5EF4-FFF2-40B4-BE49-F238E27FC236}">
+                    <a16:creationId xmlns:a16="http://schemas.microsoft.com/office/drawing/2014/main" id="{3E884F50-B52A-6BD9-9CF1-05D04283BCA5}"/>
+                  </a:ext>
+                </a:extLst>
+              </p:cNvPr>
+              <p:cNvSpPr txBox="1"/>
+              <p:nvPr/>
+            </p:nvSpPr>
+            <p:spPr>
+              <a:xfrm>
+                <a:off x="15413484" y="1279251"/>
+                <a:ext cx="1475084" cy="400110"/>
+              </a:xfrm>
+              <a:prstGeom prst="rect">
+                <a:avLst/>
+              </a:prstGeom>
+              <a:noFill/>
+            </p:spPr>
+            <p:txBody>
+              <a:bodyPr wrap="none" rtlCol="0">
+                <a:spAutoFit/>
+              </a:bodyPr>
+              <a:lstStyle/>
+              <a:p>
+                <a:r>
+                  <a:rPr lang="en-US" sz="2000" dirty="0" err="1"/>
+                  <a:t>Hyphothesis</a:t>
+                </a:r>
+                <a:endParaRPr lang="en-US" sz="2000" dirty="0"/>
+              </a:p>
+            </p:txBody>
+          </p:sp>
+          <p:pic>
+            <p:nvPicPr>
+              <p:cNvPr id="12" name="Picture 11">
+                <a:extLst>
+                  <a:ext uri="{FF2B5EF4-FFF2-40B4-BE49-F238E27FC236}">
+                    <a16:creationId xmlns:a16="http://schemas.microsoft.com/office/drawing/2014/main" id="{D03F3F3D-B91C-329D-6CD2-159F9C70CC7D}"/>
+                  </a:ext>
+                </a:extLst>
+              </p:cNvPr>
+              <p:cNvPicPr>
+                <a:picLocks noChangeAspect="1"/>
+              </p:cNvPicPr>
+              <p:nvPr/>
+            </p:nvPicPr>
+            <p:blipFill>
+              <a:blip r:embed="rId2"/>
+              <a:stretch>
+                <a:fillRect/>
+              </a:stretch>
+            </p:blipFill>
+            <p:spPr>
+              <a:xfrm>
+                <a:off x="632813" y="316484"/>
+                <a:ext cx="13134944" cy="8426601"/>
+              </a:xfrm>
+              <a:prstGeom prst="rect">
+                <a:avLst/>
+              </a:prstGeom>
+            </p:spPr>
+          </p:pic>
+          <p:sp>
+            <p:nvSpPr>
+              <p:cNvPr id="13" name="TextBox 12">
+                <a:extLst>
+                  <a:ext uri="{FF2B5EF4-FFF2-40B4-BE49-F238E27FC236}">
+                    <a16:creationId xmlns:a16="http://schemas.microsoft.com/office/drawing/2014/main" id="{FD2A0046-6B9F-0247-158F-16BBDC06C13C}"/>
+                  </a:ext>
+                </a:extLst>
+              </p:cNvPr>
+              <p:cNvSpPr txBox="1"/>
+              <p:nvPr/>
+            </p:nvSpPr>
+            <p:spPr>
+              <a:xfrm>
+                <a:off x="13767758" y="3226279"/>
+                <a:ext cx="6676845" cy="1200329"/>
+              </a:xfrm>
+              <a:prstGeom prst="rect">
+                <a:avLst/>
+              </a:prstGeom>
+              <a:noFill/>
+            </p:spPr>
+            <p:txBody>
+              <a:bodyPr wrap="square" rtlCol="0">
+                <a:spAutoFit/>
+              </a:bodyPr>
+              <a:lstStyle/>
+              <a:p>
+                <a:r>
+                  <a:rPr lang="en-US" sz="2400" dirty="0" err="1"/>
+                  <a:t>Dengan</a:t>
+                </a:r>
+                <a:r>
+                  <a:rPr lang="en-US" sz="2400" dirty="0"/>
+                  <a:t> </a:t>
+                </a:r>
+                <a:r>
+                  <a:rPr lang="en-US" sz="2400" dirty="0" err="1"/>
+                  <a:t>memfokuskan</a:t>
+                </a:r>
+                <a:r>
+                  <a:rPr lang="en-US" sz="2400" dirty="0"/>
+                  <a:t> strategi </a:t>
+                </a:r>
+                <a:r>
+                  <a:rPr lang="en-US" sz="2400" dirty="0" err="1"/>
+                  <a:t>pemasaran</a:t>
+                </a:r>
+                <a:r>
+                  <a:rPr lang="en-US" sz="2400" dirty="0"/>
+                  <a:t> pada best selling product, </a:t>
+                </a:r>
+                <a:r>
+                  <a:rPr lang="en-US" sz="2400" dirty="0" err="1"/>
+                  <a:t>maka</a:t>
+                </a:r>
+                <a:r>
+                  <a:rPr lang="en-US" sz="2400" dirty="0"/>
+                  <a:t> revenue </a:t>
+                </a:r>
+                <a:r>
+                  <a:rPr lang="en-US" sz="2400" dirty="0" err="1"/>
+                  <a:t>akan</a:t>
+                </a:r>
+                <a:r>
+                  <a:rPr lang="en-US" sz="2400" dirty="0"/>
+                  <a:t> naik </a:t>
+                </a:r>
+                <a:r>
+                  <a:rPr lang="en-US" sz="2400" dirty="0" err="1"/>
+                  <a:t>sebanyak</a:t>
+                </a:r>
+                <a:r>
+                  <a:rPr lang="en-US" sz="2400" dirty="0"/>
+                  <a:t> 5% </a:t>
+                </a:r>
+                <a:r>
+                  <a:rPr lang="en-US" sz="2400" dirty="0" err="1"/>
+                  <a:t>dalam</a:t>
+                </a:r>
+                <a:r>
+                  <a:rPr lang="en-US" sz="2400" dirty="0"/>
+                  <a:t> 1 Quartal </a:t>
+                </a:r>
+                <a:r>
+                  <a:rPr lang="en-US" sz="2400" dirty="0" err="1"/>
+                  <a:t>kedepan</a:t>
+                </a:r>
+                <a:r>
+                  <a:rPr lang="en-US" sz="2400" dirty="0"/>
+                  <a:t>.</a:t>
+                </a:r>
+                <a:endParaRPr lang="en-ID" sz="2400" dirty="0"/>
+              </a:p>
+            </p:txBody>
+          </p:sp>
+          <p:sp>
+            <p:nvSpPr>
+              <p:cNvPr id="14" name="TextBox 13">
+                <a:extLst>
+                  <a:ext uri="{FF2B5EF4-FFF2-40B4-BE49-F238E27FC236}">
+                    <a16:creationId xmlns:a16="http://schemas.microsoft.com/office/drawing/2014/main" id="{3CE4C374-E7C9-7F9D-8E80-868A4730A617}"/>
+                  </a:ext>
+                </a:extLst>
+              </p:cNvPr>
+              <p:cNvSpPr txBox="1"/>
+              <p:nvPr/>
+            </p:nvSpPr>
+            <p:spPr>
+              <a:xfrm>
+                <a:off x="21219717" y="2960125"/>
+                <a:ext cx="2631914" cy="1446550"/>
+              </a:xfrm>
+              <a:prstGeom prst="rect">
+                <a:avLst/>
+              </a:prstGeom>
+              <a:noFill/>
+            </p:spPr>
+            <p:txBody>
+              <a:bodyPr wrap="square" rtlCol="0">
+                <a:spAutoFit/>
+              </a:bodyPr>
+              <a:lstStyle/>
+              <a:p>
+                <a:r>
+                  <a:rPr lang="en-US" sz="2200" smtClean="0"/>
+                  <a:t>- </a:t>
+                </a:r>
+                <a:r>
+                  <a:rPr lang="en-US" sz="2200" dirty="0"/>
+                  <a:t>Harga Pizza</a:t>
+                </a:r>
+              </a:p>
+              <a:p>
+                <a:r>
+                  <a:rPr lang="en-US" sz="2200" dirty="0"/>
+                  <a:t>- Pizza ID</a:t>
+                </a:r>
+              </a:p>
+              <a:p>
+                <a:r>
+                  <a:rPr lang="en-US" sz="2200" dirty="0"/>
+                  <a:t>- Pizza category</a:t>
+                </a:r>
+              </a:p>
+              <a:p>
+                <a:r>
+                  <a:rPr lang="en-US" sz="2200" dirty="0"/>
+                  <a:t>- </a:t>
+                </a:r>
+                <a:r>
+                  <a:rPr lang="en-US" sz="2200" dirty="0" err="1"/>
+                  <a:t>Ukuran</a:t>
+                </a:r>
+                <a:r>
+                  <a:rPr lang="en-US" sz="2200" dirty="0"/>
+                  <a:t> Pizza</a:t>
+                </a:r>
+                <a:endParaRPr lang="en-ID" sz="2200" dirty="0"/>
+              </a:p>
+            </p:txBody>
+          </p:sp>
+          <p:sp>
+            <p:nvSpPr>
+              <p:cNvPr id="15" name="TextBox 14">
+                <a:extLst>
+                  <a:ext uri="{FF2B5EF4-FFF2-40B4-BE49-F238E27FC236}">
+                    <a16:creationId xmlns:a16="http://schemas.microsoft.com/office/drawing/2014/main" id="{FC68FE86-122C-5C32-B807-1DB4D6EC944C}"/>
+                  </a:ext>
+                </a:extLst>
+              </p:cNvPr>
+              <p:cNvSpPr txBox="1"/>
+              <p:nvPr/>
+            </p:nvSpPr>
+            <p:spPr>
+              <a:xfrm>
+                <a:off x="25552932" y="2943968"/>
+                <a:ext cx="7153240" cy="769441"/>
+              </a:xfrm>
+              <a:prstGeom prst="rect">
+                <a:avLst/>
+              </a:prstGeom>
+              <a:noFill/>
+            </p:spPr>
+            <p:txBody>
+              <a:bodyPr wrap="square" rtlCol="0">
+                <a:spAutoFit/>
+              </a:bodyPr>
+              <a:lstStyle/>
+              <a:p>
+                <a:pPr marL="342900" indent="-342900">
+                  <a:buFont typeface="Arial" panose="020B0604020202020204" pitchFamily="34" charset="0"/>
+                  <a:buChar char="•"/>
+                </a:pPr>
+                <a:r>
+                  <a:rPr lang="en-US" sz="2200" dirty="0"/>
+                  <a:t>Avg. Revenue from Pizza Category / Month. – 6%</a:t>
+                </a:r>
+              </a:p>
+              <a:p>
+                <a:pPr marL="342900" indent="-342900">
+                  <a:buFont typeface="Arial" panose="020B0604020202020204" pitchFamily="34" charset="0"/>
+                  <a:buChar char="•"/>
+                </a:pPr>
+                <a:r>
+                  <a:rPr lang="en-US" sz="2200" dirty="0"/>
+                  <a:t>Avg. Revenue from Pizza Size / Month. - 7%</a:t>
+                </a:r>
+                <a:endParaRPr lang="en-ID" sz="2200" dirty="0"/>
+              </a:p>
+            </p:txBody>
+          </p:sp>
+          <p:cxnSp>
+            <p:nvCxnSpPr>
+              <p:cNvPr id="17" name="Straight Connector 16">
+                <a:extLst>
+                  <a:ext uri="{FF2B5EF4-FFF2-40B4-BE49-F238E27FC236}">
+                    <a16:creationId xmlns:a16="http://schemas.microsoft.com/office/drawing/2014/main" id="{1684D7E4-9BDA-762A-0EB8-21D7AF361272}"/>
+                  </a:ext>
+                </a:extLst>
+              </p:cNvPr>
+              <p:cNvCxnSpPr/>
+              <p:nvPr/>
+            </p:nvCxnSpPr>
+            <p:spPr>
+              <a:xfrm>
+                <a:off x="20739370" y="1844888"/>
+                <a:ext cx="0" cy="5373035"/>
+              </a:xfrm>
+              <a:prstGeom prst="line">
+                <a:avLst/>
+              </a:prstGeom>
+            </p:spPr>
+            <p:style>
+              <a:lnRef idx="1">
+                <a:schemeClr val="accent1"/>
+              </a:lnRef>
+              <a:fillRef idx="0">
+                <a:schemeClr val="accent1"/>
+              </a:fillRef>
+              <a:effectRef idx="0">
+                <a:schemeClr val="accent1"/>
+              </a:effectRef>
+              <a:fontRef idx="minor">
+                <a:schemeClr val="tx1"/>
+              </a:fontRef>
+            </p:style>
+          </p:cxnSp>
+          <p:sp>
+            <p:nvSpPr>
+              <p:cNvPr id="21" name="TextBox 20">
+                <a:extLst>
+                  <a:ext uri="{FF2B5EF4-FFF2-40B4-BE49-F238E27FC236}">
+                    <a16:creationId xmlns:a16="http://schemas.microsoft.com/office/drawing/2014/main" id="{D7317289-02A9-2107-5980-EDC137B2AC07}"/>
+                  </a:ext>
+                </a:extLst>
+              </p:cNvPr>
+              <p:cNvSpPr txBox="1"/>
+              <p:nvPr/>
+            </p:nvSpPr>
+            <p:spPr>
+              <a:xfrm>
+                <a:off x="13767757" y="4964412"/>
+                <a:ext cx="6676845" cy="830997"/>
+              </a:xfrm>
+              <a:prstGeom prst="rect">
+                <a:avLst/>
+              </a:prstGeom>
+              <a:noFill/>
+            </p:spPr>
+            <p:txBody>
+              <a:bodyPr wrap="square" rtlCol="0">
+                <a:spAutoFit/>
+              </a:bodyPr>
+              <a:lstStyle/>
+              <a:p>
+                <a:r>
+                  <a:rPr lang="en-US" sz="2400" dirty="0" err="1"/>
+                  <a:t>Dengan</a:t>
+                </a:r>
+                <a:r>
+                  <a:rPr lang="en-US" sz="2400" dirty="0"/>
+                  <a:t> </a:t>
+                </a:r>
+                <a:r>
+                  <a:rPr lang="en-US" sz="2400" dirty="0" err="1"/>
+                  <a:t>melakukan</a:t>
+                </a:r>
+                <a:r>
+                  <a:rPr lang="en-US" sz="2400" dirty="0"/>
+                  <a:t> strategi bundling, </a:t>
+                </a:r>
+                <a:r>
+                  <a:rPr lang="en-US" sz="2400" dirty="0" err="1"/>
+                  <a:t>maka</a:t>
+                </a:r>
+                <a:r>
+                  <a:rPr lang="en-US" sz="2400" dirty="0"/>
+                  <a:t> revenue overall </a:t>
+                </a:r>
+                <a:r>
+                  <a:rPr lang="en-US" sz="2400" dirty="0" err="1"/>
+                  <a:t>kita</a:t>
+                </a:r>
+                <a:r>
+                  <a:rPr lang="en-US" sz="2400" dirty="0"/>
+                  <a:t> </a:t>
+                </a:r>
+                <a:r>
+                  <a:rPr lang="en-US" sz="2400" dirty="0" err="1"/>
+                  <a:t>bisa</a:t>
+                </a:r>
+                <a:r>
+                  <a:rPr lang="en-US" sz="2400" dirty="0"/>
+                  <a:t> naik 5% </a:t>
+                </a:r>
+                <a:r>
+                  <a:rPr lang="en-US" sz="2400" dirty="0" err="1"/>
+                  <a:t>dalam</a:t>
+                </a:r>
+                <a:r>
+                  <a:rPr lang="en-US" sz="2400" dirty="0"/>
+                  <a:t> 1 </a:t>
+                </a:r>
+                <a:r>
+                  <a:rPr lang="en-US" sz="2400" dirty="0" err="1"/>
+                  <a:t>Qurtal</a:t>
+                </a:r>
+                <a:r>
+                  <a:rPr lang="en-US" sz="2400" dirty="0"/>
+                  <a:t> </a:t>
+                </a:r>
+                <a:r>
+                  <a:rPr lang="en-US" sz="2400" dirty="0" err="1"/>
+                  <a:t>kedepan</a:t>
+                </a:r>
+                <a:r>
+                  <a:rPr lang="en-US" sz="2400" dirty="0"/>
+                  <a:t>. </a:t>
+                </a:r>
+                <a:endParaRPr lang="en-ID" sz="2400" dirty="0"/>
+              </a:p>
+            </p:txBody>
+          </p:sp>
+          <p:sp>
+            <p:nvSpPr>
+              <p:cNvPr id="22" name="TextBox 21">
+                <a:extLst>
+                  <a:ext uri="{FF2B5EF4-FFF2-40B4-BE49-F238E27FC236}">
+                    <a16:creationId xmlns:a16="http://schemas.microsoft.com/office/drawing/2014/main" id="{7B1AE8AB-D97F-BDF8-1270-44717AD749AB}"/>
+                  </a:ext>
+                </a:extLst>
+              </p:cNvPr>
+              <p:cNvSpPr txBox="1"/>
+              <p:nvPr/>
+            </p:nvSpPr>
+            <p:spPr>
+              <a:xfrm>
+                <a:off x="21219717" y="4861768"/>
+                <a:ext cx="4555685" cy="1785104"/>
+              </a:xfrm>
+              <a:prstGeom prst="rect">
+                <a:avLst/>
+              </a:prstGeom>
+              <a:noFill/>
+            </p:spPr>
+            <p:txBody>
+              <a:bodyPr wrap="square" rtlCol="0">
+                <a:spAutoFit/>
+              </a:bodyPr>
+              <a:lstStyle/>
+              <a:p>
+                <a:r>
+                  <a:rPr lang="en-US" sz="2200" dirty="0"/>
+                  <a:t>- Harga Pizza</a:t>
+                </a:r>
+              </a:p>
+              <a:p>
+                <a:r>
+                  <a:rPr lang="en-US" sz="2200" dirty="0"/>
+                  <a:t>- Pizza ID</a:t>
+                </a:r>
+              </a:p>
+              <a:p>
+                <a:r>
+                  <a:rPr lang="en-US" sz="2200" dirty="0"/>
+                  <a:t>- Pizza Category</a:t>
+                </a:r>
+              </a:p>
+              <a:p>
+                <a:r>
+                  <a:rPr lang="en-US" sz="2200" dirty="0"/>
+                  <a:t>- </a:t>
+                </a:r>
+                <a:r>
+                  <a:rPr lang="en-US" sz="2200" dirty="0" err="1"/>
+                  <a:t>Ukuran</a:t>
+                </a:r>
+                <a:r>
+                  <a:rPr lang="en-US" sz="2200" dirty="0"/>
+                  <a:t> Pizza</a:t>
+                </a:r>
+              </a:p>
+              <a:p>
+                <a:r>
+                  <a:rPr lang="en-US" sz="2200" dirty="0"/>
+                  <a:t>- Tagging best/worst selling product</a:t>
+                </a:r>
+                <a:endParaRPr lang="en-ID" sz="2200" dirty="0"/>
+              </a:p>
+            </p:txBody>
+          </p:sp>
+          <p:sp>
+            <p:nvSpPr>
+              <p:cNvPr id="24" name="TextBox 23">
+                <a:extLst>
+                  <a:ext uri="{FF2B5EF4-FFF2-40B4-BE49-F238E27FC236}">
+                    <a16:creationId xmlns:a16="http://schemas.microsoft.com/office/drawing/2014/main" id="{E985345B-4039-9779-E4C4-2B39C7C295C4}"/>
+                  </a:ext>
+                </a:extLst>
+              </p:cNvPr>
+              <p:cNvSpPr txBox="1"/>
+              <p:nvPr/>
+            </p:nvSpPr>
+            <p:spPr>
+              <a:xfrm>
+                <a:off x="25423588" y="4861768"/>
+                <a:ext cx="2926683" cy="769441"/>
+              </a:xfrm>
+              <a:prstGeom prst="rect">
+                <a:avLst/>
+              </a:prstGeom>
+              <a:noFill/>
+            </p:spPr>
+            <p:txBody>
+              <a:bodyPr wrap="square" rtlCol="0">
+                <a:spAutoFit/>
+              </a:bodyPr>
+              <a:lstStyle/>
+              <a:p>
+                <a:pPr marL="342900" indent="-342900">
+                  <a:buFont typeface="Arial" panose="020B0604020202020204" pitchFamily="34" charset="0"/>
+                  <a:buChar char="•"/>
+                </a:pPr>
+                <a:r>
+                  <a:rPr lang="en-US" sz="2200" dirty="0"/>
+                  <a:t>Total order per </a:t>
+                </a:r>
+                <a:r>
+                  <a:rPr lang="en-US" sz="2200"/>
+                  <a:t>pizza </a:t>
+                </a:r>
+                <a:r>
+                  <a:rPr lang="en-US" sz="2200" smtClean="0"/>
+                  <a:t>per Bulan:</a:t>
+                </a:r>
+                <a:endParaRPr lang="en-ID" sz="2200" dirty="0"/>
+              </a:p>
+            </p:txBody>
+          </p:sp>
+          <p:sp>
+            <p:nvSpPr>
+              <p:cNvPr id="25" name="TextBox 24">
+                <a:extLst>
+                  <a:ext uri="{FF2B5EF4-FFF2-40B4-BE49-F238E27FC236}">
+                    <a16:creationId xmlns:a16="http://schemas.microsoft.com/office/drawing/2014/main" id="{A0432CAE-9988-20BD-841D-9F17303A7EE3}"/>
+                  </a:ext>
+                </a:extLst>
+              </p:cNvPr>
+              <p:cNvSpPr txBox="1"/>
+              <p:nvPr/>
+            </p:nvSpPr>
+            <p:spPr>
+              <a:xfrm>
+                <a:off x="28518524" y="4845377"/>
+                <a:ext cx="3123419" cy="1446550"/>
+              </a:xfrm>
+              <a:prstGeom prst="rect">
+                <a:avLst/>
+              </a:prstGeom>
+              <a:noFill/>
+            </p:spPr>
+            <p:txBody>
+              <a:bodyPr wrap="square" rtlCol="0">
+                <a:spAutoFit/>
+              </a:bodyPr>
+              <a:lstStyle/>
+              <a:p>
+                <a:pPr marL="342900" indent="-342900">
+                  <a:buFont typeface="Courier New" panose="02070309020205020404" pitchFamily="49" charset="0"/>
+                  <a:buChar char="o"/>
+                </a:pPr>
+                <a:r>
+                  <a:rPr lang="en-US" sz="2200" dirty="0"/>
+                  <a:t>Level </a:t>
+                </a:r>
+                <a:r>
+                  <a:rPr lang="en-US" sz="2200" dirty="0" err="1"/>
+                  <a:t>Ukuran</a:t>
+                </a:r>
+                <a:endParaRPr lang="en-US" sz="2200" dirty="0"/>
+              </a:p>
+              <a:p>
+                <a:pPr marL="342900" indent="-342900">
+                  <a:buFont typeface="Courier New" panose="02070309020205020404" pitchFamily="49" charset="0"/>
+                  <a:buChar char="o"/>
+                </a:pPr>
+                <a:r>
+                  <a:rPr lang="en-US" sz="2200" dirty="0"/>
+                  <a:t>Level Category</a:t>
+                </a:r>
+              </a:p>
+              <a:p>
+                <a:pPr marL="342900" indent="-342900">
+                  <a:buFont typeface="Courier New" panose="02070309020205020404" pitchFamily="49" charset="0"/>
+                  <a:buChar char="o"/>
+                </a:pPr>
+                <a:r>
+                  <a:rPr lang="en-US" sz="2200" dirty="0"/>
+                  <a:t>Level Pizza Type ID</a:t>
+                </a:r>
+                <a:endParaRPr lang="en-ID" sz="2200" dirty="0"/>
+              </a:p>
+              <a:p>
+                <a:pPr marL="342900" indent="-342900">
+                  <a:buFont typeface="Courier New" panose="02070309020205020404" pitchFamily="49" charset="0"/>
+                  <a:buChar char="o"/>
+                </a:pPr>
+                <a:endParaRPr lang="en-ID" sz="2200" dirty="0"/>
+              </a:p>
+            </p:txBody>
+          </p:sp>
+          <p:pic>
+            <p:nvPicPr>
+              <p:cNvPr id="27" name="Picture 26">
+                <a:extLst>
+                  <a:ext uri="{FF2B5EF4-FFF2-40B4-BE49-F238E27FC236}">
+                    <a16:creationId xmlns:a16="http://schemas.microsoft.com/office/drawing/2014/main" id="{F784B51C-551A-1F87-66FC-5ACBB76018A5}"/>
+                  </a:ext>
+                </a:extLst>
+              </p:cNvPr>
+              <p:cNvPicPr>
+                <a:picLocks noChangeAspect="1"/>
+              </p:cNvPicPr>
+              <p:nvPr/>
+            </p:nvPicPr>
+            <p:blipFill>
+              <a:blip r:embed="rId3"/>
+              <a:stretch>
+                <a:fillRect/>
+              </a:stretch>
+            </p:blipFill>
+            <p:spPr>
+              <a:xfrm>
+                <a:off x="31641943" y="4946711"/>
+                <a:ext cx="2399122" cy="1510558"/>
+              </a:xfrm>
+              <a:prstGeom prst="rect">
+                <a:avLst/>
+              </a:prstGeom>
+            </p:spPr>
+          </p:pic>
+          <p:sp>
+            <p:nvSpPr>
+              <p:cNvPr id="29" name="TextBox 28">
+                <a:extLst>
+                  <a:ext uri="{FF2B5EF4-FFF2-40B4-BE49-F238E27FC236}">
+                    <a16:creationId xmlns:a16="http://schemas.microsoft.com/office/drawing/2014/main" id="{198488B0-2B11-FAE7-E37D-9E73048F7434}"/>
+                  </a:ext>
+                </a:extLst>
+              </p:cNvPr>
+              <p:cNvSpPr txBox="1"/>
+              <p:nvPr/>
+            </p:nvSpPr>
+            <p:spPr>
+              <a:xfrm>
+                <a:off x="13736207" y="7172153"/>
+                <a:ext cx="4123776" cy="477149"/>
+              </a:xfrm>
+              <a:prstGeom prst="rect">
+                <a:avLst/>
+              </a:prstGeom>
+              <a:noFill/>
+            </p:spPr>
+            <p:txBody>
+              <a:bodyPr wrap="square" rtlCol="0">
+                <a:spAutoFit/>
+              </a:bodyPr>
+              <a:lstStyle/>
+              <a:p>
+                <a:r>
+                  <a:rPr lang="en-US" sz="2400" dirty="0"/>
+                  <a:t>09 – 15 , 15 – 18, 18 - 21</a:t>
+                </a:r>
+                <a:endParaRPr lang="en-ID" sz="2400" dirty="0"/>
               </a:p>
             </p:txBody>
           </p:sp>
           <p:grpSp>
             <p:nvGrpSpPr>
-              <p:cNvPr id="23" name="Group 22"/>
+              <p:cNvPr id="2" name="Group 1"/>
               <p:cNvGrpSpPr/>
               <p:nvPr/>
             </p:nvGrpSpPr>
             <p:grpSpPr>
               <a:xfrm>
-                <a:off x="6782803" y="7950780"/>
-                <a:ext cx="2463960" cy="738664"/>
-                <a:chOff x="6669006" y="7965004"/>
-                <a:chExt cx="2463960" cy="738664"/>
+                <a:off x="13736207" y="4745229"/>
+                <a:ext cx="21172358" cy="1927412"/>
+                <a:chOff x="13736207" y="4745229"/>
+                <a:chExt cx="12640139" cy="1927412"/>
               </a:xfrm>
             </p:grpSpPr>
-            <p:sp>
-              <p:nvSpPr>
-                <p:cNvPr id="24" name="Rectangle 23"/>
-                <p:cNvSpPr/>
+            <p:cxnSp>
+              <p:nvCxnSpPr>
+                <p:cNvPr id="20" name="Straight Connector 19">
+                  <a:extLst>
+                    <a:ext uri="{FF2B5EF4-FFF2-40B4-BE49-F238E27FC236}">
+                      <a16:creationId xmlns:a16="http://schemas.microsoft.com/office/drawing/2014/main" id="{93B8D5E8-42AE-C7E0-27EC-18D94870CB30}"/>
+                    </a:ext>
+                  </a:extLst>
+                </p:cNvPr>
+                <p:cNvCxnSpPr/>
                 <p:nvPr/>
-              </p:nvSpPr>
+              </p:nvCxnSpPr>
               <p:spPr>
                 <a:xfrm>
-                  <a:off x="6669006" y="7965004"/>
-                  <a:ext cx="2463960" cy="738664"/>
+                  <a:off x="13736207" y="4745229"/>
+                  <a:ext cx="12608589" cy="0"/>
                 </a:xfrm>
-                <a:prstGeom prst="rect">
+                <a:prstGeom prst="line">
                   <a:avLst/>
                 </a:prstGeom>
-                <a:noFill/>
               </p:spPr>
               <p:style>
-                <a:lnRef idx="2">
-                  <a:schemeClr val="accent1">
-                    <a:shade val="50000"/>
-                  </a:schemeClr>
+                <a:lnRef idx="1">
+                  <a:schemeClr val="accent1"/>
                 </a:lnRef>
-                <a:fillRef idx="1">
+                <a:fillRef idx="0">
                   <a:schemeClr val="accent1"/>
                 </a:fillRef>
                 <a:effectRef idx="0">
                   <a:schemeClr val="accent1"/>
                 </a:effectRef>
                 <a:fontRef idx="minor">
-                  <a:schemeClr val="lt1"/>
+                  <a:schemeClr val="tx1"/>
                 </a:fontRef>
               </p:style>
-              <p:txBody>
-                <a:bodyPr rot="0" spcFirstLastPara="0" vertOverflow="overflow" horzOverflow="overflow" vert="horz" wrap="square" lIns="91440" tIns="45720" rIns="91440" bIns="45720" numCol="1" spcCol="0" rtlCol="0" fromWordArt="0" anchor="ctr" anchorCtr="0" forceAA="0" compatLnSpc="1">
-                  <a:prstTxWarp prst="textNoShape">
-                    <a:avLst/>
-                  </a:prstTxWarp>
-                  <a:noAutofit/>
-                </a:bodyPr>
-                <a:lstStyle/>
-                <a:p>
-                  <a:pPr algn="ctr"/>
-                  <a:endParaRPr lang="en-US" sz="2000"/>
-                </a:p>
-              </p:txBody>
-            </p:sp>
-            <p:sp>
-              <p:nvSpPr>
-                <p:cNvPr id="25" name="TextBox 24"/>
-                <p:cNvSpPr txBox="1"/>
+            </p:cxnSp>
+            <p:cxnSp>
+              <p:nvCxnSpPr>
+                <p:cNvPr id="18" name="Straight Connector 17">
+                  <a:extLst>
+                    <a:ext uri="{FF2B5EF4-FFF2-40B4-BE49-F238E27FC236}">
+                      <a16:creationId xmlns:a16="http://schemas.microsoft.com/office/drawing/2014/main" id="{93B8D5E8-42AE-C7E0-27EC-18D94870CB30}"/>
+                    </a:ext>
+                  </a:extLst>
+                </p:cNvPr>
+                <p:cNvCxnSpPr/>
                 <p:nvPr/>
-              </p:nvSpPr>
+              </p:nvCxnSpPr>
               <p:spPr>
                 <a:xfrm>
-                  <a:off x="6759401" y="8139223"/>
-                  <a:ext cx="2003800" cy="390220"/>
+                  <a:off x="13767757" y="6672641"/>
+                  <a:ext cx="12608589" cy="0"/>
                 </a:xfrm>
-                <a:prstGeom prst="rect">
+                <a:prstGeom prst="line">
                   <a:avLst/>
                 </a:prstGeom>
-                <a:noFill/>
               </p:spPr>
-              <p:txBody>
-                <a:bodyPr wrap="square" rtlCol="0">
-                  <a:spAutoFit/>
-                </a:bodyPr>
-                <a:lstStyle/>
-                <a:p>
-                  <a:r>
-                    <a:rPr lang="en-US" sz="2000" dirty="0" err="1"/>
-                    <a:t>Meningkatkan</a:t>
-                  </a:r>
-                  <a:r>
-                    <a:rPr lang="en-US" sz="2000" dirty="0"/>
-                    <a:t> </a:t>
-                  </a:r>
-                  <a:r>
-                    <a:rPr lang="en-US" sz="2000" dirty="0" err="1"/>
-                    <a:t>Layanan</a:t>
-                  </a:r>
-                  <a:endParaRPr lang="en-US" sz="2000" dirty="0"/>
-                </a:p>
-              </p:txBody>
-            </p:sp>
+              <p:style>
+                <a:lnRef idx="1">
+                  <a:schemeClr val="accent1"/>
+                </a:lnRef>
+                <a:fillRef idx="0">
+                  <a:schemeClr val="accent1"/>
+                </a:fillRef>
+                <a:effectRef idx="0">
+                  <a:schemeClr val="accent1"/>
+                </a:effectRef>
+                <a:fontRef idx="minor">
+                  <a:schemeClr val="tx1"/>
+                </a:fontRef>
+              </p:style>
+            </p:cxnSp>
           </p:grpSp>
         </p:grpSp>
-        <p:sp>
-          <p:nvSpPr>
-            <p:cNvPr id="26" name="TextBox 25"/>
-            <p:cNvSpPr txBox="1"/>
-            <p:nvPr/>
-          </p:nvSpPr>
-          <p:spPr>
-            <a:xfrm>
-              <a:off x="7919547" y="1904636"/>
-              <a:ext cx="4884734" cy="707886"/>
-            </a:xfrm>
-            <a:prstGeom prst="rect">
-              <a:avLst/>
-            </a:prstGeom>
-            <a:noFill/>
-          </p:spPr>
-          <p:txBody>
-            <a:bodyPr wrap="square" rtlCol="0">
-              <a:spAutoFit/>
-            </a:bodyPr>
-            <a:lstStyle/>
-            <a:p>
-              <a:r>
-                <a:rPr lang="en-US" sz="2000" dirty="0"/>
-                <a:t>Determine best – revenue pizza category and size</a:t>
-              </a:r>
-            </a:p>
-          </p:txBody>
-        </p:sp>
-        <p:sp>
-          <p:nvSpPr>
-            <p:cNvPr id="27" name="TextBox 26"/>
-            <p:cNvSpPr txBox="1"/>
-            <p:nvPr/>
-          </p:nvSpPr>
-          <p:spPr>
-            <a:xfrm>
-              <a:off x="8014293" y="3243114"/>
-              <a:ext cx="4580438" cy="707886"/>
-            </a:xfrm>
-            <a:prstGeom prst="rect">
-              <a:avLst/>
-            </a:prstGeom>
-            <a:noFill/>
-          </p:spPr>
-          <p:txBody>
-            <a:bodyPr wrap="square" rtlCol="0">
-              <a:spAutoFit/>
-            </a:bodyPr>
-            <a:lstStyle/>
-            <a:p>
-              <a:r>
-                <a:rPr lang="en-US" sz="2000" dirty="0"/>
-                <a:t>Determine best bundling combination between best and worst selling product</a:t>
-              </a:r>
-            </a:p>
-          </p:txBody>
-        </p:sp>
-        <p:sp>
-          <p:nvSpPr>
-            <p:cNvPr id="28" name="Rectangle 27"/>
-            <p:cNvSpPr/>
-            <p:nvPr/>
-          </p:nvSpPr>
-          <p:spPr>
-            <a:xfrm>
-              <a:off x="536470" y="3028035"/>
-              <a:ext cx="3085019" cy="1870097"/>
-            </a:xfrm>
-            <a:prstGeom prst="rect">
-              <a:avLst/>
-            </a:prstGeom>
-            <a:noFill/>
-          </p:spPr>
-          <p:style>
-            <a:lnRef idx="2">
-              <a:schemeClr val="accent1">
-                <a:shade val="50000"/>
-              </a:schemeClr>
-            </a:lnRef>
-            <a:fillRef idx="1">
-              <a:schemeClr val="accent1"/>
-            </a:fillRef>
-            <a:effectRef idx="0">
-              <a:schemeClr val="accent1"/>
-            </a:effectRef>
-            <a:fontRef idx="minor">
-              <a:schemeClr val="lt1"/>
-            </a:fontRef>
-          </p:style>
-          <p:txBody>
-            <a:bodyPr rot="0" spcFirstLastPara="0" vertOverflow="overflow" horzOverflow="overflow" vert="horz" wrap="square" lIns="91440" tIns="45720" rIns="91440" bIns="45720" numCol="1" spcCol="0" rtlCol="0" fromWordArt="0" anchor="ctr" anchorCtr="0" forceAA="0" compatLnSpc="1">
-              <a:prstTxWarp prst="textNoShape">
-                <a:avLst/>
-              </a:prstTxWarp>
-              <a:noAutofit/>
-            </a:bodyPr>
-            <a:lstStyle/>
-            <a:p>
-              <a:pPr algn="ctr"/>
-              <a:endParaRPr lang="en-US" sz="2000"/>
-            </a:p>
-          </p:txBody>
-        </p:sp>
       </p:grpSp>
-      <p:sp>
-        <p:nvSpPr>
-          <p:cNvPr id="30" name="TextBox 29"/>
-          <p:cNvSpPr txBox="1"/>
-          <p:nvPr/>
-        </p:nvSpPr>
-        <p:spPr>
-          <a:xfrm flipH="1">
-            <a:off x="10299574" y="358589"/>
-            <a:ext cx="1730947" cy="369332"/>
-          </a:xfrm>
-          <a:prstGeom prst="rect">
-            <a:avLst/>
-          </a:prstGeom>
-          <a:noFill/>
-        </p:spPr>
-        <p:txBody>
-          <a:bodyPr wrap="square" rtlCol="0">
-            <a:spAutoFit/>
-          </a:bodyPr>
-          <a:lstStyle/>
-          <a:p>
-            <a:pPr algn="ctr"/>
-            <a:r>
-              <a:rPr lang="en-US" b="1" smtClean="0"/>
-              <a:t>Hyphothesis</a:t>
-            </a:r>
-            <a:endParaRPr lang="en-US" b="1"/>
-          </a:p>
-        </p:txBody>
-      </p:sp>
-      <p:sp>
-        <p:nvSpPr>
-          <p:cNvPr id="44" name="TextBox 43"/>
-          <p:cNvSpPr txBox="1"/>
-          <p:nvPr/>
-        </p:nvSpPr>
-        <p:spPr>
-          <a:xfrm flipH="1">
-            <a:off x="14863755" y="363962"/>
-            <a:ext cx="1730947" cy="369332"/>
-          </a:xfrm>
-          <a:prstGeom prst="rect">
-            <a:avLst/>
-          </a:prstGeom>
-          <a:noFill/>
-        </p:spPr>
-        <p:txBody>
-          <a:bodyPr wrap="square" rtlCol="0">
-            <a:spAutoFit/>
-          </a:bodyPr>
-          <a:lstStyle/>
-          <a:p>
-            <a:pPr algn="ctr"/>
-            <a:r>
-              <a:rPr lang="en-US" b="1" smtClean="0"/>
-              <a:t>Metrics</a:t>
-            </a:r>
-            <a:endParaRPr lang="en-US" b="1"/>
-          </a:p>
-        </p:txBody>
-      </p:sp>
-      <p:sp>
-        <p:nvSpPr>
-          <p:cNvPr id="48" name="TextBox 47"/>
-          <p:cNvSpPr txBox="1"/>
-          <p:nvPr/>
-        </p:nvSpPr>
-        <p:spPr>
-          <a:xfrm>
-            <a:off x="9336103" y="1118915"/>
-            <a:ext cx="4117644" cy="1015663"/>
-          </a:xfrm>
-          <a:prstGeom prst="rect">
-            <a:avLst/>
-          </a:prstGeom>
-          <a:noFill/>
-        </p:spPr>
-        <p:txBody>
-          <a:bodyPr wrap="square" rtlCol="0">
-            <a:spAutoFit/>
-          </a:bodyPr>
-          <a:lstStyle/>
-          <a:p>
-            <a:pPr marL="342900" indent="-342900">
-              <a:buFont typeface="Arial" panose="020B0604020202020204" pitchFamily="34" charset="0"/>
-              <a:buChar char="•"/>
-            </a:pPr>
-            <a:r>
-              <a:rPr lang="en-US" sz="2000" smtClean="0"/>
-              <a:t>Peningkatan revenue harus berfokus pada best pizza category dan size</a:t>
-            </a:r>
-          </a:p>
-          <a:p>
-            <a:pPr marL="342900" indent="-342900">
-              <a:buFont typeface="Arial" panose="020B0604020202020204" pitchFamily="34" charset="0"/>
-              <a:buChar char="•"/>
-            </a:pPr>
-            <a:endParaRPr lang="en-US" sz="2000" dirty="0"/>
-          </a:p>
-        </p:txBody>
-      </p:sp>
-      <p:sp>
-        <p:nvSpPr>
-          <p:cNvPr id="49" name="TextBox 48"/>
-          <p:cNvSpPr txBox="1"/>
-          <p:nvPr/>
-        </p:nvSpPr>
-        <p:spPr>
-          <a:xfrm>
-            <a:off x="9319167" y="2930110"/>
-            <a:ext cx="4117644" cy="1631216"/>
-          </a:xfrm>
-          <a:prstGeom prst="rect">
-            <a:avLst/>
-          </a:prstGeom>
-          <a:noFill/>
-        </p:spPr>
-        <p:txBody>
-          <a:bodyPr wrap="square" rtlCol="0">
-            <a:spAutoFit/>
-          </a:bodyPr>
-          <a:lstStyle/>
-          <a:p>
-            <a:pPr marL="342900" indent="-342900">
-              <a:buFont typeface="Arial" panose="020B0604020202020204" pitchFamily="34" charset="0"/>
-              <a:buChar char="•"/>
-            </a:pPr>
-            <a:r>
-              <a:rPr lang="en-US" sz="2000" smtClean="0"/>
-              <a:t>Peningkatan revenue harus dilakukan dengan mensandingkan best selling product dengan worst selling product</a:t>
-            </a:r>
-          </a:p>
-          <a:p>
-            <a:pPr marL="342900" indent="-342900">
-              <a:buFont typeface="Arial" panose="020B0604020202020204" pitchFamily="34" charset="0"/>
-              <a:buChar char="•"/>
-            </a:pPr>
-            <a:endParaRPr lang="en-US" sz="2000" dirty="0"/>
-          </a:p>
-        </p:txBody>
-      </p:sp>
-      <p:sp>
-        <p:nvSpPr>
-          <p:cNvPr id="50" name="TextBox 49"/>
-          <p:cNvSpPr txBox="1"/>
-          <p:nvPr/>
-        </p:nvSpPr>
-        <p:spPr>
-          <a:xfrm>
-            <a:off x="9336103" y="4350361"/>
-            <a:ext cx="4117644" cy="1015663"/>
-          </a:xfrm>
-          <a:prstGeom prst="rect">
-            <a:avLst/>
-          </a:prstGeom>
-          <a:noFill/>
-        </p:spPr>
-        <p:txBody>
-          <a:bodyPr wrap="square" rtlCol="0">
-            <a:spAutoFit/>
-          </a:bodyPr>
-          <a:lstStyle/>
-          <a:p>
-            <a:pPr marL="342900" indent="-342900">
-              <a:buFont typeface="Arial" panose="020B0604020202020204" pitchFamily="34" charset="0"/>
-              <a:buChar char="•"/>
-            </a:pPr>
-            <a:r>
-              <a:rPr lang="en-US" sz="2000" smtClean="0"/>
-              <a:t>There is significant difference between revenue from best selling time to worst selling time.</a:t>
-            </a:r>
-            <a:endParaRPr lang="en-US" sz="2000" dirty="0"/>
-          </a:p>
-        </p:txBody>
-      </p:sp>
-      <p:sp>
-        <p:nvSpPr>
-          <p:cNvPr id="51" name="TextBox 50"/>
-          <p:cNvSpPr txBox="1"/>
-          <p:nvPr/>
-        </p:nvSpPr>
-        <p:spPr>
-          <a:xfrm>
-            <a:off x="9336103" y="1120541"/>
-            <a:ext cx="4117644" cy="1015663"/>
-          </a:xfrm>
-          <a:prstGeom prst="rect">
-            <a:avLst/>
-          </a:prstGeom>
-          <a:noFill/>
-        </p:spPr>
-        <p:txBody>
-          <a:bodyPr wrap="square" rtlCol="0">
-            <a:spAutoFit/>
-          </a:bodyPr>
-          <a:lstStyle/>
-          <a:p>
-            <a:pPr marL="342900" indent="-342900">
-              <a:buFont typeface="Arial" panose="020B0604020202020204" pitchFamily="34" charset="0"/>
-              <a:buChar char="•"/>
-            </a:pPr>
-            <a:r>
-              <a:rPr lang="en-US" sz="2000" smtClean="0"/>
-              <a:t>Peningkatan revenue harus berfokus pada best pizza category dan size</a:t>
-            </a:r>
-          </a:p>
-          <a:p>
-            <a:pPr marL="342900" indent="-342900">
-              <a:buFont typeface="Arial" panose="020B0604020202020204" pitchFamily="34" charset="0"/>
-              <a:buChar char="•"/>
-            </a:pPr>
-            <a:endParaRPr lang="en-US" sz="2000" dirty="0"/>
-          </a:p>
-        </p:txBody>
-      </p:sp>
-      <p:sp>
-        <p:nvSpPr>
-          <p:cNvPr id="52" name="TextBox 51"/>
-          <p:cNvSpPr txBox="1"/>
-          <p:nvPr/>
-        </p:nvSpPr>
-        <p:spPr>
-          <a:xfrm>
-            <a:off x="13934154" y="1159545"/>
-            <a:ext cx="4117644" cy="1015663"/>
-          </a:xfrm>
-          <a:prstGeom prst="rect">
-            <a:avLst/>
-          </a:prstGeom>
-          <a:noFill/>
-        </p:spPr>
-        <p:txBody>
-          <a:bodyPr wrap="square" rtlCol="0">
-            <a:spAutoFit/>
-          </a:bodyPr>
-          <a:lstStyle/>
-          <a:p>
-            <a:pPr marL="342900" indent="-342900">
-              <a:buFont typeface="Arial" panose="020B0604020202020204" pitchFamily="34" charset="0"/>
-              <a:buChar char="•"/>
-            </a:pPr>
-            <a:r>
-              <a:rPr lang="en-US" sz="2000" smtClean="0"/>
-              <a:t>Revenue from Best Pizza Category Only</a:t>
-            </a:r>
-          </a:p>
-          <a:p>
-            <a:pPr marL="342900" indent="-342900">
-              <a:buFont typeface="Arial" panose="020B0604020202020204" pitchFamily="34" charset="0"/>
-              <a:buChar char="•"/>
-            </a:pPr>
-            <a:r>
-              <a:rPr lang="en-US" sz="2000" smtClean="0"/>
-              <a:t>Sales from </a:t>
-            </a:r>
-            <a:r>
-              <a:rPr lang="en-US" sz="2000"/>
-              <a:t>Best </a:t>
-            </a:r>
-            <a:r>
-              <a:rPr lang="en-US" sz="2000"/>
-              <a:t>Pizza </a:t>
-            </a:r>
-            <a:r>
-              <a:rPr lang="en-US" sz="2000" smtClean="0"/>
-              <a:t>Category Only</a:t>
-            </a:r>
-            <a:endParaRPr lang="en-US" sz="2000"/>
-          </a:p>
-        </p:txBody>
-      </p:sp>
-      <p:sp>
-        <p:nvSpPr>
-          <p:cNvPr id="53" name="TextBox 52"/>
-          <p:cNvSpPr txBox="1"/>
-          <p:nvPr/>
-        </p:nvSpPr>
-        <p:spPr>
-          <a:xfrm>
-            <a:off x="13934153" y="2923964"/>
-            <a:ext cx="4117644" cy="1323439"/>
-          </a:xfrm>
-          <a:prstGeom prst="rect">
-            <a:avLst/>
-          </a:prstGeom>
-          <a:noFill/>
-        </p:spPr>
-        <p:txBody>
-          <a:bodyPr wrap="square" rtlCol="0">
-            <a:spAutoFit/>
-          </a:bodyPr>
-          <a:lstStyle/>
-          <a:p>
-            <a:pPr marL="342900" indent="-342900">
-              <a:buFont typeface="Arial" panose="020B0604020202020204" pitchFamily="34" charset="0"/>
-              <a:buChar char="•"/>
-            </a:pPr>
-            <a:r>
-              <a:rPr lang="en-US" sz="2000" smtClean="0"/>
-              <a:t>Revenue from Best Pizza Sales combine with Worst Pizza Sales</a:t>
-            </a:r>
-          </a:p>
-          <a:p>
-            <a:pPr marL="342900" indent="-342900">
-              <a:buFont typeface="Arial" panose="020B0604020202020204" pitchFamily="34" charset="0"/>
-              <a:buChar char="•"/>
-            </a:pPr>
-            <a:r>
-              <a:rPr lang="en-US" sz="2000" smtClean="0"/>
-              <a:t>Sales </a:t>
-            </a:r>
-            <a:r>
-              <a:rPr lang="en-US" sz="2000"/>
-              <a:t>from Best Pizza Sales combine with Worst </a:t>
-            </a:r>
-            <a:r>
-              <a:rPr lang="en-US" sz="2000"/>
-              <a:t>Pizza </a:t>
-            </a:r>
-            <a:r>
-              <a:rPr lang="en-US" sz="2000" smtClean="0"/>
-              <a:t>Sales</a:t>
-            </a:r>
-            <a:endParaRPr lang="en-US" sz="2000"/>
-          </a:p>
-        </p:txBody>
-      </p:sp>
-      <p:sp>
-        <p:nvSpPr>
-          <p:cNvPr id="54" name="TextBox 53"/>
-          <p:cNvSpPr txBox="1"/>
-          <p:nvPr/>
-        </p:nvSpPr>
-        <p:spPr>
-          <a:xfrm>
-            <a:off x="13934152" y="4345683"/>
-            <a:ext cx="4117644" cy="1323439"/>
-          </a:xfrm>
-          <a:prstGeom prst="rect">
-            <a:avLst/>
-          </a:prstGeom>
-          <a:noFill/>
-        </p:spPr>
-        <p:txBody>
-          <a:bodyPr wrap="square" rtlCol="0">
-            <a:spAutoFit/>
-          </a:bodyPr>
-          <a:lstStyle/>
-          <a:p>
-            <a:pPr marL="342900" indent="-342900">
-              <a:buFont typeface="Arial" panose="020B0604020202020204" pitchFamily="34" charset="0"/>
-              <a:buChar char="•"/>
-            </a:pPr>
-            <a:r>
-              <a:rPr lang="en-US" sz="2000" smtClean="0"/>
-              <a:t>Revenue from Best Selling Time vs Worst Selling Time</a:t>
-            </a:r>
-          </a:p>
-          <a:p>
-            <a:pPr marL="342900" indent="-342900">
-              <a:buFont typeface="Arial" panose="020B0604020202020204" pitchFamily="34" charset="0"/>
-              <a:buChar char="•"/>
-            </a:pPr>
-            <a:r>
-              <a:rPr lang="en-US" sz="2000" smtClean="0"/>
-              <a:t>Sales from Best Selling Time vs Worst Selling Time</a:t>
-            </a:r>
-          </a:p>
-        </p:txBody>
-      </p:sp>
     </p:spTree>
     <p:extLst>
       <p:ext uri="{BB962C8B-B14F-4D97-AF65-F5344CB8AC3E}">
-        <p14:creationId xmlns:p14="http://schemas.microsoft.com/office/powerpoint/2010/main" val="528547004"/>
+        <p14:creationId xmlns:p14="http://schemas.microsoft.com/office/powerpoint/2010/main" val="569763295"/>
       </p:ext>
     </p:extLst>
   </p:cSld>
   <p:clrMapOvr>
     <a:masterClrMapping/>
   </p:clrMapOvr>
-  <p:timing>
-    <p:tnLst>
-      <p:par>
-        <p:cTn id="1" dur="indefinite" restart="never" nodeType="tmRoot"/>
-      </p:par>
-    </p:tnLst>
-  </p:timing>
 </p:sld>
 </file>
 
@@ -5589,7 +5224,7 @@
         <a:srgbClr val="E7E6E6"/>
       </a:lt2>
       <a:accent1>
-        <a:srgbClr val="5B9BD5"/>
+        <a:srgbClr val="4472C4"/>
       </a:accent1>
       <a:accent2>
         <a:srgbClr val="ED7D31"/>
@@ -5601,7 +5236,7 @@
         <a:srgbClr val="FFC000"/>
       </a:accent4>
       <a:accent5>
-        <a:srgbClr val="4472C4"/>
+        <a:srgbClr val="5B9BD5"/>
       </a:accent5>
       <a:accent6>
         <a:srgbClr val="70AD47"/>
@@ -5827,7 +5462,7 @@
   <a:extraClrSchemeLst/>
   <a:extLst>
     <a:ext uri="{05A4C25C-085E-4340-85A3-A5531E510DB2}">
-      <thm15:themeFamily xmlns:thm15="http://schemas.microsoft.com/office/thememl/2012/main" name="Office Theme" id="{62F939B6-93AF-4DB8-9C6B-D6C7DFDC589F}" vid="{4A3C46E8-61CC-4603-A589-7422A47A8E4A}"/>
+      <thm15:themeFamily xmlns:thm15="http://schemas.microsoft.com/office/thememl/2012/main" name="Office 2013 - 2022 Theme" id="{62F939B6-93AF-4DB8-9C6B-D6C7DFDC589F}" vid="{4A3C46E8-61CC-4603-A589-7422A47A8E4A}"/>
     </a:ext>
   </a:extLst>
 </a:theme>
